--- a/doc/diagrams/UiWorkflow.pptx
+++ b/doc/diagrams/UiWorkflow.pptx
@@ -10,14 +10,14 @@
   <p:sldIdLst>
     <p:sldId id="256" r:id="rId2"/>
   </p:sldIdLst>
-  <p:sldSz cx="8640763" cy="5761038"/>
-  <p:notesSz cx="6858000" cy="9144000"/>
+  <p:sldSz cx="12961938" cy="8640763"/>
+  <p:notesSz cx="6797675" cy="9872663"/>
   <p:defaultTextStyle>
     <a:defPPr>
       <a:defRPr lang="en-US"/>
     </a:defPPr>
-    <a:lvl1pPr marL="0" algn="l" defTabSz="843443" rtl="0" eaLnBrk="1" latinLnBrk="0" hangingPunct="1">
-      <a:defRPr sz="1700" kern="1200">
+    <a:lvl1pPr marL="0" algn="l" defTabSz="1012132" rtl="0" eaLnBrk="1" latinLnBrk="0" hangingPunct="1">
+      <a:defRPr sz="2000" kern="1200">
         <a:solidFill>
           <a:schemeClr val="tx1"/>
         </a:solidFill>
@@ -26,8 +26,8 @@
         <a:cs typeface="+mn-cs"/>
       </a:defRPr>
     </a:lvl1pPr>
-    <a:lvl2pPr marL="421721" algn="l" defTabSz="843443" rtl="0" eaLnBrk="1" latinLnBrk="0" hangingPunct="1">
-      <a:defRPr sz="1700" kern="1200">
+    <a:lvl2pPr marL="506065" algn="l" defTabSz="1012132" rtl="0" eaLnBrk="1" latinLnBrk="0" hangingPunct="1">
+      <a:defRPr sz="2000" kern="1200">
         <a:solidFill>
           <a:schemeClr val="tx1"/>
         </a:solidFill>
@@ -36,8 +36,8 @@
         <a:cs typeface="+mn-cs"/>
       </a:defRPr>
     </a:lvl2pPr>
-    <a:lvl3pPr marL="843443" algn="l" defTabSz="843443" rtl="0" eaLnBrk="1" latinLnBrk="0" hangingPunct="1">
-      <a:defRPr sz="1700" kern="1200">
+    <a:lvl3pPr marL="1012132" algn="l" defTabSz="1012132" rtl="0" eaLnBrk="1" latinLnBrk="0" hangingPunct="1">
+      <a:defRPr sz="2000" kern="1200">
         <a:solidFill>
           <a:schemeClr val="tx1"/>
         </a:solidFill>
@@ -46,8 +46,8 @@
         <a:cs typeface="+mn-cs"/>
       </a:defRPr>
     </a:lvl3pPr>
-    <a:lvl4pPr marL="1265164" algn="l" defTabSz="843443" rtl="0" eaLnBrk="1" latinLnBrk="0" hangingPunct="1">
-      <a:defRPr sz="1700" kern="1200">
+    <a:lvl4pPr marL="1518197" algn="l" defTabSz="1012132" rtl="0" eaLnBrk="1" latinLnBrk="0" hangingPunct="1">
+      <a:defRPr sz="2000" kern="1200">
         <a:solidFill>
           <a:schemeClr val="tx1"/>
         </a:solidFill>
@@ -56,8 +56,8 @@
         <a:cs typeface="+mn-cs"/>
       </a:defRPr>
     </a:lvl4pPr>
-    <a:lvl5pPr marL="1686885" algn="l" defTabSz="843443" rtl="0" eaLnBrk="1" latinLnBrk="0" hangingPunct="1">
-      <a:defRPr sz="1700" kern="1200">
+    <a:lvl5pPr marL="2024262" algn="l" defTabSz="1012132" rtl="0" eaLnBrk="1" latinLnBrk="0" hangingPunct="1">
+      <a:defRPr sz="2000" kern="1200">
         <a:solidFill>
           <a:schemeClr val="tx1"/>
         </a:solidFill>
@@ -66,8 +66,8 @@
         <a:cs typeface="+mn-cs"/>
       </a:defRPr>
     </a:lvl5pPr>
-    <a:lvl6pPr marL="2108606" algn="l" defTabSz="843443" rtl="0" eaLnBrk="1" latinLnBrk="0" hangingPunct="1">
-      <a:defRPr sz="1700" kern="1200">
+    <a:lvl6pPr marL="2530327" algn="l" defTabSz="1012132" rtl="0" eaLnBrk="1" latinLnBrk="0" hangingPunct="1">
+      <a:defRPr sz="2000" kern="1200">
         <a:solidFill>
           <a:schemeClr val="tx1"/>
         </a:solidFill>
@@ -76,8 +76,8 @@
         <a:cs typeface="+mn-cs"/>
       </a:defRPr>
     </a:lvl6pPr>
-    <a:lvl7pPr marL="2530328" algn="l" defTabSz="843443" rtl="0" eaLnBrk="1" latinLnBrk="0" hangingPunct="1">
-      <a:defRPr sz="1700" kern="1200">
+    <a:lvl7pPr marL="3036394" algn="l" defTabSz="1012132" rtl="0" eaLnBrk="1" latinLnBrk="0" hangingPunct="1">
+      <a:defRPr sz="2000" kern="1200">
         <a:solidFill>
           <a:schemeClr val="tx1"/>
         </a:solidFill>
@@ -86,8 +86,8 @@
         <a:cs typeface="+mn-cs"/>
       </a:defRPr>
     </a:lvl7pPr>
-    <a:lvl8pPr marL="2952049" algn="l" defTabSz="843443" rtl="0" eaLnBrk="1" latinLnBrk="0" hangingPunct="1">
-      <a:defRPr sz="1700" kern="1200">
+    <a:lvl8pPr marL="3542459" algn="l" defTabSz="1012132" rtl="0" eaLnBrk="1" latinLnBrk="0" hangingPunct="1">
+      <a:defRPr sz="2000" kern="1200">
         <a:solidFill>
           <a:schemeClr val="tx1"/>
         </a:solidFill>
@@ -96,8 +96,8 @@
         <a:cs typeface="+mn-cs"/>
       </a:defRPr>
     </a:lvl8pPr>
-    <a:lvl9pPr marL="3373770" algn="l" defTabSz="843443" rtl="0" eaLnBrk="1" latinLnBrk="0" hangingPunct="1">
-      <a:defRPr sz="1700" kern="1200">
+    <a:lvl9pPr marL="4048524" algn="l" defTabSz="1012132" rtl="0" eaLnBrk="1" latinLnBrk="0" hangingPunct="1">
+      <a:defRPr sz="2000" kern="1200">
         <a:solidFill>
           <a:schemeClr val="tx1"/>
         </a:solidFill>
@@ -145,7 +145,7 @@
         <p:spPr>
           <a:xfrm>
             <a:off x="0" y="0"/>
-            <a:ext cx="2971800" cy="457200"/>
+            <a:ext cx="2945659" cy="493633"/>
           </a:xfrm>
           <a:prstGeom prst="rect">
             <a:avLst/>
@@ -175,8 +175,8 @@
         </p:nvSpPr>
         <p:spPr>
           <a:xfrm>
-            <a:off x="3884613" y="0"/>
-            <a:ext cx="2971800" cy="457200"/>
+            <a:off x="3850443" y="0"/>
+            <a:ext cx="2945659" cy="493633"/>
           </a:xfrm>
           <a:prstGeom prst="rect">
             <a:avLst/>
@@ -192,7 +192,7 @@
           <a:p>
             <a:fld id="{DC50A2AC-D691-437C-A69B-81ECFE08AD4B}" type="datetimeFigureOut">
               <a:rPr lang="en-SG" smtClean="0"/>
-              <a:t>25/8/2012</a:t>
+              <a:t>5/7/2013</a:t>
             </a:fld>
             <a:endParaRPr lang="en-SG"/>
           </a:p>
@@ -210,8 +210,8 @@
         </p:nvSpPr>
         <p:spPr>
           <a:xfrm>
-            <a:off x="858838" y="685800"/>
-            <a:ext cx="5140325" cy="3429000"/>
+            <a:off x="622300" y="739775"/>
+            <a:ext cx="5553075" cy="3703638"/>
           </a:xfrm>
           <a:prstGeom prst="rect">
             <a:avLst/>
@@ -243,8 +243,8 @@
         </p:nvSpPr>
         <p:spPr>
           <a:xfrm>
-            <a:off x="685800" y="4343400"/>
-            <a:ext cx="5486400" cy="4114800"/>
+            <a:off x="679768" y="4689515"/>
+            <a:ext cx="5438140" cy="4442698"/>
           </a:xfrm>
           <a:prstGeom prst="rect">
             <a:avLst/>
@@ -303,8 +303,8 @@
         </p:nvSpPr>
         <p:spPr>
           <a:xfrm>
-            <a:off x="0" y="8685213"/>
-            <a:ext cx="2971800" cy="457200"/>
+            <a:off x="0" y="9377316"/>
+            <a:ext cx="2945659" cy="493633"/>
           </a:xfrm>
           <a:prstGeom prst="rect">
             <a:avLst/>
@@ -334,8 +334,8 @@
         </p:nvSpPr>
         <p:spPr>
           <a:xfrm>
-            <a:off x="3884613" y="8685213"/>
-            <a:ext cx="2971800" cy="457200"/>
+            <a:off x="3850443" y="9377316"/>
+            <a:ext cx="2945659" cy="493633"/>
           </a:xfrm>
           <a:prstGeom prst="rect">
             <a:avLst/>
@@ -366,8 +366,8 @@
   </p:cSld>
   <p:clrMap bg1="lt1" tx1="dk1" bg2="lt2" tx2="dk2" accent1="accent1" accent2="accent2" accent3="accent3" accent4="accent4" accent5="accent5" accent6="accent6" hlink="hlink" folHlink="folHlink"/>
   <p:notesStyle>
-    <a:lvl1pPr marL="0" algn="l" defTabSz="843443" rtl="0" eaLnBrk="1" latinLnBrk="0" hangingPunct="1">
-      <a:defRPr sz="1100" kern="1200">
+    <a:lvl1pPr marL="0" algn="l" defTabSz="1012132" rtl="0" eaLnBrk="1" latinLnBrk="0" hangingPunct="1">
+      <a:defRPr sz="1300" kern="1200">
         <a:solidFill>
           <a:schemeClr val="tx1"/>
         </a:solidFill>
@@ -376,8 +376,8 @@
         <a:cs typeface="+mn-cs"/>
       </a:defRPr>
     </a:lvl1pPr>
-    <a:lvl2pPr marL="421721" algn="l" defTabSz="843443" rtl="0" eaLnBrk="1" latinLnBrk="0" hangingPunct="1">
-      <a:defRPr sz="1100" kern="1200">
+    <a:lvl2pPr marL="506065" algn="l" defTabSz="1012132" rtl="0" eaLnBrk="1" latinLnBrk="0" hangingPunct="1">
+      <a:defRPr sz="1300" kern="1200">
         <a:solidFill>
           <a:schemeClr val="tx1"/>
         </a:solidFill>
@@ -386,8 +386,8 @@
         <a:cs typeface="+mn-cs"/>
       </a:defRPr>
     </a:lvl2pPr>
-    <a:lvl3pPr marL="843443" algn="l" defTabSz="843443" rtl="0" eaLnBrk="1" latinLnBrk="0" hangingPunct="1">
-      <a:defRPr sz="1100" kern="1200">
+    <a:lvl3pPr marL="1012132" algn="l" defTabSz="1012132" rtl="0" eaLnBrk="1" latinLnBrk="0" hangingPunct="1">
+      <a:defRPr sz="1300" kern="1200">
         <a:solidFill>
           <a:schemeClr val="tx1"/>
         </a:solidFill>
@@ -396,8 +396,8 @@
         <a:cs typeface="+mn-cs"/>
       </a:defRPr>
     </a:lvl3pPr>
-    <a:lvl4pPr marL="1265164" algn="l" defTabSz="843443" rtl="0" eaLnBrk="1" latinLnBrk="0" hangingPunct="1">
-      <a:defRPr sz="1100" kern="1200">
+    <a:lvl4pPr marL="1518197" algn="l" defTabSz="1012132" rtl="0" eaLnBrk="1" latinLnBrk="0" hangingPunct="1">
+      <a:defRPr sz="1300" kern="1200">
         <a:solidFill>
           <a:schemeClr val="tx1"/>
         </a:solidFill>
@@ -406,8 +406,8 @@
         <a:cs typeface="+mn-cs"/>
       </a:defRPr>
     </a:lvl4pPr>
-    <a:lvl5pPr marL="1686885" algn="l" defTabSz="843443" rtl="0" eaLnBrk="1" latinLnBrk="0" hangingPunct="1">
-      <a:defRPr sz="1100" kern="1200">
+    <a:lvl5pPr marL="2024262" algn="l" defTabSz="1012132" rtl="0" eaLnBrk="1" latinLnBrk="0" hangingPunct="1">
+      <a:defRPr sz="1300" kern="1200">
         <a:solidFill>
           <a:schemeClr val="tx1"/>
         </a:solidFill>
@@ -416,8 +416,8 @@
         <a:cs typeface="+mn-cs"/>
       </a:defRPr>
     </a:lvl5pPr>
-    <a:lvl6pPr marL="2108606" algn="l" defTabSz="843443" rtl="0" eaLnBrk="1" latinLnBrk="0" hangingPunct="1">
-      <a:defRPr sz="1100" kern="1200">
+    <a:lvl6pPr marL="2530327" algn="l" defTabSz="1012132" rtl="0" eaLnBrk="1" latinLnBrk="0" hangingPunct="1">
+      <a:defRPr sz="1300" kern="1200">
         <a:solidFill>
           <a:schemeClr val="tx1"/>
         </a:solidFill>
@@ -426,8 +426,8 @@
         <a:cs typeface="+mn-cs"/>
       </a:defRPr>
     </a:lvl6pPr>
-    <a:lvl7pPr marL="2530328" algn="l" defTabSz="843443" rtl="0" eaLnBrk="1" latinLnBrk="0" hangingPunct="1">
-      <a:defRPr sz="1100" kern="1200">
+    <a:lvl7pPr marL="3036394" algn="l" defTabSz="1012132" rtl="0" eaLnBrk="1" latinLnBrk="0" hangingPunct="1">
+      <a:defRPr sz="1300" kern="1200">
         <a:solidFill>
           <a:schemeClr val="tx1"/>
         </a:solidFill>
@@ -436,8 +436,8 @@
         <a:cs typeface="+mn-cs"/>
       </a:defRPr>
     </a:lvl7pPr>
-    <a:lvl8pPr marL="2952049" algn="l" defTabSz="843443" rtl="0" eaLnBrk="1" latinLnBrk="0" hangingPunct="1">
-      <a:defRPr sz="1100" kern="1200">
+    <a:lvl8pPr marL="3542459" algn="l" defTabSz="1012132" rtl="0" eaLnBrk="1" latinLnBrk="0" hangingPunct="1">
+      <a:defRPr sz="1300" kern="1200">
         <a:solidFill>
           <a:schemeClr val="tx1"/>
         </a:solidFill>
@@ -446,8 +446,8 @@
         <a:cs typeface="+mn-cs"/>
       </a:defRPr>
     </a:lvl8pPr>
-    <a:lvl9pPr marL="3373770" algn="l" defTabSz="843443" rtl="0" eaLnBrk="1" latinLnBrk="0" hangingPunct="1">
-      <a:defRPr sz="1100" kern="1200">
+    <a:lvl9pPr marL="4048524" algn="l" defTabSz="1012132" rtl="0" eaLnBrk="1" latinLnBrk="0" hangingPunct="1">
+      <a:defRPr sz="1300" kern="1200">
         <a:solidFill>
           <a:schemeClr val="tx1"/>
         </a:solidFill>
@@ -489,8 +489,8 @@
         </p:nvSpPr>
         <p:spPr>
           <a:xfrm>
-            <a:off x="858838" y="685800"/>
-            <a:ext cx="5140325" cy="3429000"/>
+            <a:off x="622300" y="739775"/>
+            <a:ext cx="5553075" cy="3703638"/>
           </a:xfrm>
         </p:spPr>
       </p:sp>
@@ -578,8 +578,8 @@
         </p:nvSpPr>
         <p:spPr>
           <a:xfrm>
-            <a:off x="648057" y="1789656"/>
-            <a:ext cx="7344649" cy="1234890"/>
+            <a:off x="972146" y="2684239"/>
+            <a:ext cx="11017648" cy="1852164"/>
           </a:xfrm>
         </p:spPr>
         <p:txBody>
@@ -606,8 +606,8 @@
         </p:nvSpPr>
         <p:spPr>
           <a:xfrm>
-            <a:off x="1296115" y="3264588"/>
-            <a:ext cx="6048534" cy="1472266"/>
+            <a:off x="1944293" y="4896433"/>
+            <a:ext cx="9073357" cy="2208196"/>
           </a:xfrm>
         </p:spPr>
         <p:txBody>
@@ -623,7 +623,7 @@
                 </a:solidFill>
               </a:defRPr>
             </a:lvl1pPr>
-            <a:lvl2pPr marL="421721" indent="0" algn="ctr">
+            <a:lvl2pPr marL="506065" indent="0" algn="ctr">
               <a:buNone/>
               <a:defRPr>
                 <a:solidFill>
@@ -633,7 +633,7 @@
                 </a:solidFill>
               </a:defRPr>
             </a:lvl2pPr>
-            <a:lvl3pPr marL="843443" indent="0" algn="ctr">
+            <a:lvl3pPr marL="1012132" indent="0" algn="ctr">
               <a:buNone/>
               <a:defRPr>
                 <a:solidFill>
@@ -643,7 +643,7 @@
                 </a:solidFill>
               </a:defRPr>
             </a:lvl3pPr>
-            <a:lvl4pPr marL="1265164" indent="0" algn="ctr">
+            <a:lvl4pPr marL="1518197" indent="0" algn="ctr">
               <a:buNone/>
               <a:defRPr>
                 <a:solidFill>
@@ -653,7 +653,7 @@
                 </a:solidFill>
               </a:defRPr>
             </a:lvl4pPr>
-            <a:lvl5pPr marL="1686885" indent="0" algn="ctr">
+            <a:lvl5pPr marL="2024262" indent="0" algn="ctr">
               <a:buNone/>
               <a:defRPr>
                 <a:solidFill>
@@ -663,7 +663,7 @@
                 </a:solidFill>
               </a:defRPr>
             </a:lvl5pPr>
-            <a:lvl6pPr marL="2108606" indent="0" algn="ctr">
+            <a:lvl6pPr marL="2530327" indent="0" algn="ctr">
               <a:buNone/>
               <a:defRPr>
                 <a:solidFill>
@@ -673,7 +673,7 @@
                 </a:solidFill>
               </a:defRPr>
             </a:lvl6pPr>
-            <a:lvl7pPr marL="2530328" indent="0" algn="ctr">
+            <a:lvl7pPr marL="3036394" indent="0" algn="ctr">
               <a:buNone/>
               <a:defRPr>
                 <a:solidFill>
@@ -683,7 +683,7 @@
                 </a:solidFill>
               </a:defRPr>
             </a:lvl7pPr>
-            <a:lvl8pPr marL="2952049" indent="0" algn="ctr">
+            <a:lvl8pPr marL="3542459" indent="0" algn="ctr">
               <a:buNone/>
               <a:defRPr>
                 <a:solidFill>
@@ -693,7 +693,7 @@
                 </a:solidFill>
               </a:defRPr>
             </a:lvl8pPr>
-            <a:lvl9pPr marL="3373770" indent="0" algn="ctr">
+            <a:lvl9pPr marL="4048524" indent="0" algn="ctr">
               <a:buNone/>
               <a:defRPr>
                 <a:solidFill>
@@ -731,7 +731,7 @@
             <a:fld id="{1D8BD707-D9CF-40AE-B4C6-C98DA3205C09}" type="datetimeFigureOut">
               <a:rPr lang="en-US" smtClean="0"/>
               <a:pPr/>
-              <a:t>8/25/2012</a:t>
+              <a:t>7/5/2013</a:t>
             </a:fld>
             <a:endParaRPr lang="en-US"/>
           </a:p>
@@ -898,7 +898,7 @@
             <a:fld id="{1D8BD707-D9CF-40AE-B4C6-C98DA3205C09}" type="datetimeFigureOut">
               <a:rPr lang="en-US" smtClean="0"/>
               <a:pPr/>
-              <a:t>8/25/2012</a:t>
+              <a:t>7/5/2013</a:t>
             </a:fld>
             <a:endParaRPr lang="en-US"/>
           </a:p>
@@ -984,8 +984,8 @@
         </p:nvSpPr>
         <p:spPr>
           <a:xfrm>
-            <a:off x="6264553" y="230710"/>
-            <a:ext cx="1944172" cy="4915552"/>
+            <a:off x="9397406" y="346033"/>
+            <a:ext cx="2916436" cy="7372651"/>
           </a:xfrm>
         </p:spPr>
         <p:txBody>
@@ -1012,8 +1012,8 @@
         </p:nvSpPr>
         <p:spPr>
           <a:xfrm>
-            <a:off x="432039" y="230710"/>
-            <a:ext cx="5688502" cy="4915552"/>
+            <a:off x="648099" y="346033"/>
+            <a:ext cx="8533275" cy="7372651"/>
           </a:xfrm>
         </p:spPr>
         <p:txBody>
@@ -1075,7 +1075,7 @@
             <a:fld id="{1D8BD707-D9CF-40AE-B4C6-C98DA3205C09}" type="datetimeFigureOut">
               <a:rPr lang="en-US" smtClean="0"/>
               <a:pPr/>
-              <a:t>8/25/2012</a:t>
+              <a:t>7/5/2013</a:t>
             </a:fld>
             <a:endParaRPr lang="en-US"/>
           </a:p>
@@ -1242,7 +1242,7 @@
             <a:fld id="{1D8BD707-D9CF-40AE-B4C6-C98DA3205C09}" type="datetimeFigureOut">
               <a:rPr lang="en-US" smtClean="0"/>
               <a:pPr/>
-              <a:t>8/25/2012</a:t>
+              <a:t>7/5/2013</a:t>
             </a:fld>
             <a:endParaRPr lang="en-US"/>
           </a:p>
@@ -1328,15 +1328,15 @@
         </p:nvSpPr>
         <p:spPr>
           <a:xfrm>
-            <a:off x="682561" y="3702001"/>
-            <a:ext cx="7344649" cy="1144206"/>
+            <a:off x="1023905" y="5552492"/>
+            <a:ext cx="11017648" cy="1716152"/>
           </a:xfrm>
         </p:spPr>
         <p:txBody>
           <a:bodyPr anchor="t"/>
           <a:lstStyle>
             <a:lvl1pPr algn="l">
-              <a:defRPr sz="3700" b="1" cap="all"/>
+              <a:defRPr sz="4400" b="1" cap="all"/>
             </a:lvl1pPr>
           </a:lstStyle>
           <a:p>
@@ -1360,14 +1360,34 @@
         </p:nvSpPr>
         <p:spPr>
           <a:xfrm>
-            <a:off x="682561" y="2441774"/>
-            <a:ext cx="7344649" cy="1260227"/>
+            <a:off x="1023905" y="3662326"/>
+            <a:ext cx="11017648" cy="1890167"/>
           </a:xfrm>
         </p:spPr>
         <p:txBody>
           <a:bodyPr anchor="b"/>
           <a:lstStyle>
             <a:lvl1pPr marL="0" indent="0">
+              <a:buNone/>
+              <a:defRPr sz="2200">
+                <a:solidFill>
+                  <a:schemeClr val="tx1">
+                    <a:tint val="75000"/>
+                  </a:schemeClr>
+                </a:solidFill>
+              </a:defRPr>
+            </a:lvl1pPr>
+            <a:lvl2pPr marL="506065" indent="0">
+              <a:buNone/>
+              <a:defRPr sz="2000">
+                <a:solidFill>
+                  <a:schemeClr val="tx1">
+                    <a:tint val="75000"/>
+                  </a:schemeClr>
+                </a:solidFill>
+              </a:defRPr>
+            </a:lvl2pPr>
+            <a:lvl3pPr marL="1012132" indent="0">
               <a:buNone/>
               <a:defRPr sz="1800">
                 <a:solidFill>
@@ -1376,30 +1396,10 @@
                   </a:schemeClr>
                 </a:solidFill>
               </a:defRPr>
-            </a:lvl1pPr>
-            <a:lvl2pPr marL="421721" indent="0">
+            </a:lvl3pPr>
+            <a:lvl4pPr marL="1518197" indent="0">
               <a:buNone/>
-              <a:defRPr sz="1700">
-                <a:solidFill>
-                  <a:schemeClr val="tx1">
-                    <a:tint val="75000"/>
-                  </a:schemeClr>
-                </a:solidFill>
-              </a:defRPr>
-            </a:lvl2pPr>
-            <a:lvl3pPr marL="843443" indent="0">
-              <a:buNone/>
-              <a:defRPr sz="1500">
-                <a:solidFill>
-                  <a:schemeClr val="tx1">
-                    <a:tint val="75000"/>
-                  </a:schemeClr>
-                </a:solidFill>
-              </a:defRPr>
-            </a:lvl3pPr>
-            <a:lvl4pPr marL="1265164" indent="0">
-              <a:buNone/>
-              <a:defRPr sz="1300">
+              <a:defRPr sz="1600">
                 <a:solidFill>
                   <a:schemeClr val="tx1">
                     <a:tint val="75000"/>
@@ -1407,9 +1407,9 @@
                 </a:solidFill>
               </a:defRPr>
             </a:lvl4pPr>
-            <a:lvl5pPr marL="1686885" indent="0">
+            <a:lvl5pPr marL="2024262" indent="0">
               <a:buNone/>
-              <a:defRPr sz="1300">
+              <a:defRPr sz="1600">
                 <a:solidFill>
                   <a:schemeClr val="tx1">
                     <a:tint val="75000"/>
@@ -1417,9 +1417,9 @@
                 </a:solidFill>
               </a:defRPr>
             </a:lvl5pPr>
-            <a:lvl6pPr marL="2108606" indent="0">
+            <a:lvl6pPr marL="2530327" indent="0">
               <a:buNone/>
-              <a:defRPr sz="1300">
+              <a:defRPr sz="1600">
                 <a:solidFill>
                   <a:schemeClr val="tx1">
                     <a:tint val="75000"/>
@@ -1427,9 +1427,9 @@
                 </a:solidFill>
               </a:defRPr>
             </a:lvl6pPr>
-            <a:lvl7pPr marL="2530328" indent="0">
+            <a:lvl7pPr marL="3036394" indent="0">
               <a:buNone/>
-              <a:defRPr sz="1300">
+              <a:defRPr sz="1600">
                 <a:solidFill>
                   <a:schemeClr val="tx1">
                     <a:tint val="75000"/>
@@ -1437,9 +1437,9 @@
                 </a:solidFill>
               </a:defRPr>
             </a:lvl7pPr>
-            <a:lvl8pPr marL="2952049" indent="0">
+            <a:lvl8pPr marL="3542459" indent="0">
               <a:buNone/>
-              <a:defRPr sz="1300">
+              <a:defRPr sz="1600">
                 <a:solidFill>
                   <a:schemeClr val="tx1">
                     <a:tint val="75000"/>
@@ -1447,9 +1447,9 @@
                 </a:solidFill>
               </a:defRPr>
             </a:lvl8pPr>
-            <a:lvl9pPr marL="3373770" indent="0">
+            <a:lvl9pPr marL="4048524" indent="0">
               <a:buNone/>
-              <a:defRPr sz="1300">
+              <a:defRPr sz="1600">
                 <a:solidFill>
                   <a:schemeClr val="tx1">
                     <a:tint val="75000"/>
@@ -1485,7 +1485,7 @@
             <a:fld id="{1D8BD707-D9CF-40AE-B4C6-C98DA3205C09}" type="datetimeFigureOut">
               <a:rPr lang="en-US" smtClean="0"/>
               <a:pPr/>
-              <a:t>8/25/2012</a:t>
+              <a:t>7/5/2013</a:t>
             </a:fld>
             <a:endParaRPr lang="en-US"/>
           </a:p>
@@ -1594,39 +1594,39 @@
         </p:nvSpPr>
         <p:spPr>
           <a:xfrm>
-            <a:off x="432039" y="1344242"/>
-            <a:ext cx="3816337" cy="3802019"/>
+            <a:off x="648099" y="2016180"/>
+            <a:ext cx="5724856" cy="5702504"/>
           </a:xfrm>
         </p:spPr>
         <p:txBody>
           <a:bodyPr/>
           <a:lstStyle>
             <a:lvl1pPr>
-              <a:defRPr sz="2600"/>
+              <a:defRPr sz="3100"/>
             </a:lvl1pPr>
             <a:lvl2pPr>
-              <a:defRPr sz="2200"/>
+              <a:defRPr sz="2600"/>
             </a:lvl2pPr>
             <a:lvl3pPr>
-              <a:defRPr sz="1800"/>
+              <a:defRPr sz="2200"/>
             </a:lvl3pPr>
             <a:lvl4pPr>
-              <a:defRPr sz="1700"/>
+              <a:defRPr sz="2000"/>
             </a:lvl4pPr>
             <a:lvl5pPr>
-              <a:defRPr sz="1700"/>
+              <a:defRPr sz="2000"/>
             </a:lvl5pPr>
             <a:lvl6pPr>
-              <a:defRPr sz="1700"/>
+              <a:defRPr sz="2000"/>
             </a:lvl6pPr>
             <a:lvl7pPr>
-              <a:defRPr sz="1700"/>
+              <a:defRPr sz="2000"/>
             </a:lvl7pPr>
             <a:lvl8pPr>
-              <a:defRPr sz="1700"/>
+              <a:defRPr sz="2000"/>
             </a:lvl8pPr>
             <a:lvl9pPr>
-              <a:defRPr sz="1700"/>
+              <a:defRPr sz="2000"/>
             </a:lvl9pPr>
           </a:lstStyle>
           <a:p>
@@ -1679,39 +1679,39 @@
         </p:nvSpPr>
         <p:spPr>
           <a:xfrm>
-            <a:off x="4392388" y="1344242"/>
-            <a:ext cx="3816337" cy="3802019"/>
+            <a:off x="6588986" y="2016180"/>
+            <a:ext cx="5724856" cy="5702504"/>
           </a:xfrm>
         </p:spPr>
         <p:txBody>
           <a:bodyPr/>
           <a:lstStyle>
             <a:lvl1pPr>
-              <a:defRPr sz="2600"/>
+              <a:defRPr sz="3100"/>
             </a:lvl1pPr>
             <a:lvl2pPr>
-              <a:defRPr sz="2200"/>
+              <a:defRPr sz="2600"/>
             </a:lvl2pPr>
             <a:lvl3pPr>
-              <a:defRPr sz="1800"/>
+              <a:defRPr sz="2200"/>
             </a:lvl3pPr>
             <a:lvl4pPr>
-              <a:defRPr sz="1700"/>
+              <a:defRPr sz="2000"/>
             </a:lvl4pPr>
             <a:lvl5pPr>
-              <a:defRPr sz="1700"/>
+              <a:defRPr sz="2000"/>
             </a:lvl5pPr>
             <a:lvl6pPr>
-              <a:defRPr sz="1700"/>
+              <a:defRPr sz="2000"/>
             </a:lvl6pPr>
             <a:lvl7pPr>
-              <a:defRPr sz="1700"/>
+              <a:defRPr sz="2000"/>
             </a:lvl7pPr>
             <a:lvl8pPr>
-              <a:defRPr sz="1700"/>
+              <a:defRPr sz="2000"/>
             </a:lvl8pPr>
             <a:lvl9pPr>
-              <a:defRPr sz="1700"/>
+              <a:defRPr sz="2000"/>
             </a:lvl9pPr>
           </a:lstStyle>
           <a:p>
@@ -1770,7 +1770,7 @@
             <a:fld id="{1D8BD707-D9CF-40AE-B4C6-C98DA3205C09}" type="datetimeFigureOut">
               <a:rPr lang="en-US" smtClean="0"/>
               <a:pPr/>
-              <a:t>8/25/2012</a:t>
+              <a:t>7/5/2013</a:t>
             </a:fld>
             <a:endParaRPr lang="en-US"/>
           </a:p>
@@ -1883,8 +1883,8 @@
         </p:nvSpPr>
         <p:spPr>
           <a:xfrm>
-            <a:off x="432039" y="1289566"/>
-            <a:ext cx="3817838" cy="537430"/>
+            <a:off x="648098" y="1934172"/>
+            <a:ext cx="5727108" cy="806070"/>
           </a:xfrm>
         </p:spPr>
         <p:txBody>
@@ -1892,39 +1892,39 @@
           <a:lstStyle>
             <a:lvl1pPr marL="0" indent="0">
               <a:buNone/>
+              <a:defRPr sz="2600" b="1"/>
+            </a:lvl1pPr>
+            <a:lvl2pPr marL="506065" indent="0">
+              <a:buNone/>
               <a:defRPr sz="2200" b="1"/>
-            </a:lvl1pPr>
-            <a:lvl2pPr marL="421721" indent="0">
+            </a:lvl2pPr>
+            <a:lvl3pPr marL="1012132" indent="0">
+              <a:buNone/>
+              <a:defRPr sz="2000" b="1"/>
+            </a:lvl3pPr>
+            <a:lvl4pPr marL="1518197" indent="0">
               <a:buNone/>
               <a:defRPr sz="1800" b="1"/>
-            </a:lvl2pPr>
-            <a:lvl3pPr marL="843443" indent="0">
+            </a:lvl4pPr>
+            <a:lvl5pPr marL="2024262" indent="0">
               <a:buNone/>
-              <a:defRPr sz="1700" b="1"/>
-            </a:lvl3pPr>
-            <a:lvl4pPr marL="1265164" indent="0">
+              <a:defRPr sz="1800" b="1"/>
+            </a:lvl5pPr>
+            <a:lvl6pPr marL="2530327" indent="0">
               <a:buNone/>
-              <a:defRPr sz="1500" b="1"/>
-            </a:lvl4pPr>
-            <a:lvl5pPr marL="1686885" indent="0">
+              <a:defRPr sz="1800" b="1"/>
+            </a:lvl6pPr>
+            <a:lvl7pPr marL="3036394" indent="0">
               <a:buNone/>
-              <a:defRPr sz="1500" b="1"/>
-            </a:lvl5pPr>
-            <a:lvl6pPr marL="2108606" indent="0">
+              <a:defRPr sz="1800" b="1"/>
+            </a:lvl7pPr>
+            <a:lvl8pPr marL="3542459" indent="0">
               <a:buNone/>
-              <a:defRPr sz="1500" b="1"/>
-            </a:lvl6pPr>
-            <a:lvl7pPr marL="2530328" indent="0">
+              <a:defRPr sz="1800" b="1"/>
+            </a:lvl8pPr>
+            <a:lvl9pPr marL="4048524" indent="0">
               <a:buNone/>
-              <a:defRPr sz="1500" b="1"/>
-            </a:lvl7pPr>
-            <a:lvl8pPr marL="2952049" indent="0">
-              <a:buNone/>
-              <a:defRPr sz="1500" b="1"/>
-            </a:lvl8pPr>
-            <a:lvl9pPr marL="3373770" indent="0">
-              <a:buNone/>
-              <a:defRPr sz="1500" b="1"/>
+              <a:defRPr sz="1800" b="1"/>
             </a:lvl9pPr>
           </a:lstStyle>
           <a:p>
@@ -1948,39 +1948,39 @@
         </p:nvSpPr>
         <p:spPr>
           <a:xfrm>
-            <a:off x="432039" y="1826997"/>
-            <a:ext cx="3817838" cy="3319265"/>
+            <a:off x="648098" y="2740245"/>
+            <a:ext cx="5727108" cy="4978440"/>
           </a:xfrm>
         </p:spPr>
         <p:txBody>
           <a:bodyPr/>
           <a:lstStyle>
             <a:lvl1pPr>
-              <a:defRPr sz="2200"/>
+              <a:defRPr sz="2600"/>
             </a:lvl1pPr>
             <a:lvl2pPr>
-              <a:defRPr sz="1800"/>
+              <a:defRPr sz="2200"/>
             </a:lvl2pPr>
             <a:lvl3pPr>
-              <a:defRPr sz="1700"/>
+              <a:defRPr sz="2000"/>
             </a:lvl3pPr>
             <a:lvl4pPr>
-              <a:defRPr sz="1500"/>
+              <a:defRPr sz="1800"/>
             </a:lvl4pPr>
             <a:lvl5pPr>
-              <a:defRPr sz="1500"/>
+              <a:defRPr sz="1800"/>
             </a:lvl5pPr>
             <a:lvl6pPr>
-              <a:defRPr sz="1500"/>
+              <a:defRPr sz="1800"/>
             </a:lvl6pPr>
             <a:lvl7pPr>
-              <a:defRPr sz="1500"/>
+              <a:defRPr sz="1800"/>
             </a:lvl7pPr>
             <a:lvl8pPr>
-              <a:defRPr sz="1500"/>
+              <a:defRPr sz="1800"/>
             </a:lvl8pPr>
             <a:lvl9pPr>
-              <a:defRPr sz="1500"/>
+              <a:defRPr sz="1800"/>
             </a:lvl9pPr>
           </a:lstStyle>
           <a:p>
@@ -2033,8 +2033,8 @@
         </p:nvSpPr>
         <p:spPr>
           <a:xfrm>
-            <a:off x="4389389" y="1289566"/>
-            <a:ext cx="3819337" cy="537430"/>
+            <a:off x="6584487" y="1934172"/>
+            <a:ext cx="5729356" cy="806070"/>
           </a:xfrm>
         </p:spPr>
         <p:txBody>
@@ -2042,39 +2042,39 @@
           <a:lstStyle>
             <a:lvl1pPr marL="0" indent="0">
               <a:buNone/>
+              <a:defRPr sz="2600" b="1"/>
+            </a:lvl1pPr>
+            <a:lvl2pPr marL="506065" indent="0">
+              <a:buNone/>
               <a:defRPr sz="2200" b="1"/>
-            </a:lvl1pPr>
-            <a:lvl2pPr marL="421721" indent="0">
+            </a:lvl2pPr>
+            <a:lvl3pPr marL="1012132" indent="0">
+              <a:buNone/>
+              <a:defRPr sz="2000" b="1"/>
+            </a:lvl3pPr>
+            <a:lvl4pPr marL="1518197" indent="0">
               <a:buNone/>
               <a:defRPr sz="1800" b="1"/>
-            </a:lvl2pPr>
-            <a:lvl3pPr marL="843443" indent="0">
+            </a:lvl4pPr>
+            <a:lvl5pPr marL="2024262" indent="0">
               <a:buNone/>
-              <a:defRPr sz="1700" b="1"/>
-            </a:lvl3pPr>
-            <a:lvl4pPr marL="1265164" indent="0">
+              <a:defRPr sz="1800" b="1"/>
+            </a:lvl5pPr>
+            <a:lvl6pPr marL="2530327" indent="0">
               <a:buNone/>
-              <a:defRPr sz="1500" b="1"/>
-            </a:lvl4pPr>
-            <a:lvl5pPr marL="1686885" indent="0">
+              <a:defRPr sz="1800" b="1"/>
+            </a:lvl6pPr>
+            <a:lvl7pPr marL="3036394" indent="0">
               <a:buNone/>
-              <a:defRPr sz="1500" b="1"/>
-            </a:lvl5pPr>
-            <a:lvl6pPr marL="2108606" indent="0">
+              <a:defRPr sz="1800" b="1"/>
+            </a:lvl7pPr>
+            <a:lvl8pPr marL="3542459" indent="0">
               <a:buNone/>
-              <a:defRPr sz="1500" b="1"/>
-            </a:lvl6pPr>
-            <a:lvl7pPr marL="2530328" indent="0">
+              <a:defRPr sz="1800" b="1"/>
+            </a:lvl8pPr>
+            <a:lvl9pPr marL="4048524" indent="0">
               <a:buNone/>
-              <a:defRPr sz="1500" b="1"/>
-            </a:lvl7pPr>
-            <a:lvl8pPr marL="2952049" indent="0">
-              <a:buNone/>
-              <a:defRPr sz="1500" b="1"/>
-            </a:lvl8pPr>
-            <a:lvl9pPr marL="3373770" indent="0">
-              <a:buNone/>
-              <a:defRPr sz="1500" b="1"/>
+              <a:defRPr sz="1800" b="1"/>
             </a:lvl9pPr>
           </a:lstStyle>
           <a:p>
@@ -2098,39 +2098,39 @@
         </p:nvSpPr>
         <p:spPr>
           <a:xfrm>
-            <a:off x="4389389" y="1826997"/>
-            <a:ext cx="3819337" cy="3319265"/>
+            <a:off x="6584487" y="2740245"/>
+            <a:ext cx="5729356" cy="4978440"/>
           </a:xfrm>
         </p:spPr>
         <p:txBody>
           <a:bodyPr/>
           <a:lstStyle>
             <a:lvl1pPr>
-              <a:defRPr sz="2200"/>
+              <a:defRPr sz="2600"/>
             </a:lvl1pPr>
             <a:lvl2pPr>
-              <a:defRPr sz="1800"/>
+              <a:defRPr sz="2200"/>
             </a:lvl2pPr>
             <a:lvl3pPr>
-              <a:defRPr sz="1700"/>
+              <a:defRPr sz="2000"/>
             </a:lvl3pPr>
             <a:lvl4pPr>
-              <a:defRPr sz="1500"/>
+              <a:defRPr sz="1800"/>
             </a:lvl4pPr>
             <a:lvl5pPr>
-              <a:defRPr sz="1500"/>
+              <a:defRPr sz="1800"/>
             </a:lvl5pPr>
             <a:lvl6pPr>
-              <a:defRPr sz="1500"/>
+              <a:defRPr sz="1800"/>
             </a:lvl6pPr>
             <a:lvl7pPr>
-              <a:defRPr sz="1500"/>
+              <a:defRPr sz="1800"/>
             </a:lvl7pPr>
             <a:lvl8pPr>
-              <a:defRPr sz="1500"/>
+              <a:defRPr sz="1800"/>
             </a:lvl8pPr>
             <a:lvl9pPr>
-              <a:defRPr sz="1500"/>
+              <a:defRPr sz="1800"/>
             </a:lvl9pPr>
           </a:lstStyle>
           <a:p>
@@ -2189,7 +2189,7 @@
             <a:fld id="{1D8BD707-D9CF-40AE-B4C6-C98DA3205C09}" type="datetimeFigureOut">
               <a:rPr lang="en-US" smtClean="0"/>
               <a:pPr/>
-              <a:t>8/25/2012</a:t>
+              <a:t>7/5/2013</a:t>
             </a:fld>
             <a:endParaRPr lang="en-US"/>
           </a:p>
@@ -2304,7 +2304,7 @@
             <a:fld id="{1D8BD707-D9CF-40AE-B4C6-C98DA3205C09}" type="datetimeFigureOut">
               <a:rPr lang="en-US" smtClean="0"/>
               <a:pPr/>
-              <a:t>8/25/2012</a:t>
+              <a:t>7/5/2013</a:t>
             </a:fld>
             <a:endParaRPr lang="en-US"/>
           </a:p>
@@ -2396,7 +2396,7 @@
             <a:fld id="{1D8BD707-D9CF-40AE-B4C6-C98DA3205C09}" type="datetimeFigureOut">
               <a:rPr lang="en-US" smtClean="0"/>
               <a:pPr/>
-              <a:t>8/25/2012</a:t>
+              <a:t>7/5/2013</a:t>
             </a:fld>
             <a:endParaRPr lang="en-US"/>
           </a:p>
@@ -2482,15 +2482,15 @@
         </p:nvSpPr>
         <p:spPr>
           <a:xfrm>
-            <a:off x="432039" y="229375"/>
-            <a:ext cx="2842752" cy="976176"/>
+            <a:off x="648099" y="344032"/>
+            <a:ext cx="4264389" cy="1464130"/>
           </a:xfrm>
         </p:spPr>
         <p:txBody>
           <a:bodyPr anchor="b"/>
           <a:lstStyle>
             <a:lvl1pPr algn="l">
-              <a:defRPr sz="1800" b="1"/>
+              <a:defRPr sz="2200" b="1"/>
             </a:lvl1pPr>
           </a:lstStyle>
           <a:p>
@@ -2514,39 +2514,39 @@
         </p:nvSpPr>
         <p:spPr>
           <a:xfrm>
-            <a:off x="3378298" y="229375"/>
-            <a:ext cx="4830427" cy="4916886"/>
+            <a:off x="5067760" y="344031"/>
+            <a:ext cx="7246084" cy="7374651"/>
           </a:xfrm>
         </p:spPr>
         <p:txBody>
           <a:bodyPr/>
           <a:lstStyle>
             <a:lvl1pPr>
-              <a:defRPr sz="3000"/>
+              <a:defRPr sz="3600"/>
             </a:lvl1pPr>
             <a:lvl2pPr>
-              <a:defRPr sz="2600"/>
+              <a:defRPr sz="3100"/>
             </a:lvl2pPr>
             <a:lvl3pPr>
-              <a:defRPr sz="2200"/>
+              <a:defRPr sz="2600"/>
             </a:lvl3pPr>
             <a:lvl4pPr>
-              <a:defRPr sz="1800"/>
+              <a:defRPr sz="2200"/>
             </a:lvl4pPr>
             <a:lvl5pPr>
-              <a:defRPr sz="1800"/>
+              <a:defRPr sz="2200"/>
             </a:lvl5pPr>
             <a:lvl6pPr>
-              <a:defRPr sz="1800"/>
+              <a:defRPr sz="2200"/>
             </a:lvl6pPr>
             <a:lvl7pPr>
-              <a:defRPr sz="1800"/>
+              <a:defRPr sz="2200"/>
             </a:lvl7pPr>
             <a:lvl8pPr>
-              <a:defRPr sz="1800"/>
+              <a:defRPr sz="2200"/>
             </a:lvl8pPr>
             <a:lvl9pPr>
-              <a:defRPr sz="1800"/>
+              <a:defRPr sz="2200"/>
             </a:lvl9pPr>
           </a:lstStyle>
           <a:p>
@@ -2599,8 +2599,8 @@
         </p:nvSpPr>
         <p:spPr>
           <a:xfrm>
-            <a:off x="432039" y="1205551"/>
-            <a:ext cx="2842752" cy="3940710"/>
+            <a:off x="648099" y="1808160"/>
+            <a:ext cx="4264389" cy="5910522"/>
           </a:xfrm>
         </p:spPr>
         <p:txBody>
@@ -2608,39 +2608,39 @@
           <a:lstStyle>
             <a:lvl1pPr marL="0" indent="0">
               <a:buNone/>
+              <a:defRPr sz="1600"/>
+            </a:lvl1pPr>
+            <a:lvl2pPr marL="506065" indent="0">
+              <a:buNone/>
               <a:defRPr sz="1300"/>
-            </a:lvl1pPr>
-            <a:lvl2pPr marL="421721" indent="0">
+            </a:lvl2pPr>
+            <a:lvl3pPr marL="1012132" indent="0">
               <a:buNone/>
               <a:defRPr sz="1100"/>
-            </a:lvl2pPr>
-            <a:lvl3pPr marL="843443" indent="0">
+            </a:lvl3pPr>
+            <a:lvl4pPr marL="1518197" indent="0">
               <a:buNone/>
-              <a:defRPr sz="900"/>
-            </a:lvl3pPr>
-            <a:lvl4pPr marL="1265164" indent="0">
+              <a:defRPr sz="1000"/>
+            </a:lvl4pPr>
+            <a:lvl5pPr marL="2024262" indent="0">
               <a:buNone/>
-              <a:defRPr sz="800"/>
-            </a:lvl4pPr>
-            <a:lvl5pPr marL="1686885" indent="0">
+              <a:defRPr sz="1000"/>
+            </a:lvl5pPr>
+            <a:lvl6pPr marL="2530327" indent="0">
               <a:buNone/>
-              <a:defRPr sz="800"/>
-            </a:lvl5pPr>
-            <a:lvl6pPr marL="2108606" indent="0">
+              <a:defRPr sz="1000"/>
+            </a:lvl6pPr>
+            <a:lvl7pPr marL="3036394" indent="0">
               <a:buNone/>
-              <a:defRPr sz="800"/>
-            </a:lvl6pPr>
-            <a:lvl7pPr marL="2530328" indent="0">
+              <a:defRPr sz="1000"/>
+            </a:lvl7pPr>
+            <a:lvl8pPr marL="3542459" indent="0">
               <a:buNone/>
-              <a:defRPr sz="800"/>
-            </a:lvl7pPr>
-            <a:lvl8pPr marL="2952049" indent="0">
+              <a:defRPr sz="1000"/>
+            </a:lvl8pPr>
+            <a:lvl9pPr marL="4048524" indent="0">
               <a:buNone/>
-              <a:defRPr sz="800"/>
-            </a:lvl8pPr>
-            <a:lvl9pPr marL="3373770" indent="0">
-              <a:buNone/>
-              <a:defRPr sz="800"/>
+              <a:defRPr sz="1000"/>
             </a:lvl9pPr>
           </a:lstStyle>
           <a:p>
@@ -2670,7 +2670,7 @@
             <a:fld id="{1D8BD707-D9CF-40AE-B4C6-C98DA3205C09}" type="datetimeFigureOut">
               <a:rPr lang="en-US" smtClean="0"/>
               <a:pPr/>
-              <a:t>8/25/2012</a:t>
+              <a:t>7/5/2013</a:t>
             </a:fld>
             <a:endParaRPr lang="en-US"/>
           </a:p>
@@ -2756,15 +2756,15 @@
         </p:nvSpPr>
         <p:spPr>
           <a:xfrm>
-            <a:off x="1693650" y="4032727"/>
-            <a:ext cx="5184458" cy="476086"/>
+            <a:off x="2540630" y="6048535"/>
+            <a:ext cx="7777163" cy="714064"/>
           </a:xfrm>
         </p:spPr>
         <p:txBody>
           <a:bodyPr anchor="b"/>
           <a:lstStyle>
             <a:lvl1pPr algn="l">
-              <a:defRPr sz="1800" b="1"/>
+              <a:defRPr sz="2200" b="1"/>
             </a:lvl1pPr>
           </a:lstStyle>
           <a:p>
@@ -2788,8 +2788,8 @@
         </p:nvSpPr>
         <p:spPr>
           <a:xfrm>
-            <a:off x="1693650" y="514760"/>
-            <a:ext cx="5184458" cy="3456623"/>
+            <a:off x="2540630" y="772071"/>
+            <a:ext cx="7777163" cy="5184458"/>
           </a:xfrm>
         </p:spPr>
         <p:txBody>
@@ -2797,39 +2797,39 @@
           <a:lstStyle>
             <a:lvl1pPr marL="0" indent="0">
               <a:buNone/>
-              <a:defRPr sz="3000"/>
+              <a:defRPr sz="3600"/>
             </a:lvl1pPr>
-            <a:lvl2pPr marL="421721" indent="0">
+            <a:lvl2pPr marL="506065" indent="0">
+              <a:buNone/>
+              <a:defRPr sz="3100"/>
+            </a:lvl2pPr>
+            <a:lvl3pPr marL="1012132" indent="0">
               <a:buNone/>
               <a:defRPr sz="2600"/>
-            </a:lvl2pPr>
-            <a:lvl3pPr marL="843443" indent="0">
+            </a:lvl3pPr>
+            <a:lvl4pPr marL="1518197" indent="0">
               <a:buNone/>
               <a:defRPr sz="2200"/>
-            </a:lvl3pPr>
-            <a:lvl4pPr marL="1265164" indent="0">
+            </a:lvl4pPr>
+            <a:lvl5pPr marL="2024262" indent="0">
               <a:buNone/>
-              <a:defRPr sz="1800"/>
-            </a:lvl4pPr>
-            <a:lvl5pPr marL="1686885" indent="0">
+              <a:defRPr sz="2200"/>
+            </a:lvl5pPr>
+            <a:lvl6pPr marL="2530327" indent="0">
               <a:buNone/>
-              <a:defRPr sz="1800"/>
-            </a:lvl5pPr>
-            <a:lvl6pPr marL="2108606" indent="0">
+              <a:defRPr sz="2200"/>
+            </a:lvl6pPr>
+            <a:lvl7pPr marL="3036394" indent="0">
               <a:buNone/>
-              <a:defRPr sz="1800"/>
-            </a:lvl6pPr>
-            <a:lvl7pPr marL="2530328" indent="0">
+              <a:defRPr sz="2200"/>
+            </a:lvl7pPr>
+            <a:lvl8pPr marL="3542459" indent="0">
               <a:buNone/>
-              <a:defRPr sz="1800"/>
-            </a:lvl7pPr>
-            <a:lvl8pPr marL="2952049" indent="0">
+              <a:defRPr sz="2200"/>
+            </a:lvl8pPr>
+            <a:lvl9pPr marL="4048524" indent="0">
               <a:buNone/>
-              <a:defRPr sz="1800"/>
-            </a:lvl8pPr>
-            <a:lvl9pPr marL="3373770" indent="0">
-              <a:buNone/>
-              <a:defRPr sz="1800"/>
+              <a:defRPr sz="2200"/>
             </a:lvl9pPr>
           </a:lstStyle>
           <a:p>
@@ -2849,8 +2849,8 @@
         </p:nvSpPr>
         <p:spPr>
           <a:xfrm>
-            <a:off x="1693650" y="4508813"/>
-            <a:ext cx="5184458" cy="676121"/>
+            <a:off x="2540630" y="6762601"/>
+            <a:ext cx="7777163" cy="1014089"/>
           </a:xfrm>
         </p:spPr>
         <p:txBody>
@@ -2858,39 +2858,39 @@
           <a:lstStyle>
             <a:lvl1pPr marL="0" indent="0">
               <a:buNone/>
+              <a:defRPr sz="1600"/>
+            </a:lvl1pPr>
+            <a:lvl2pPr marL="506065" indent="0">
+              <a:buNone/>
               <a:defRPr sz="1300"/>
-            </a:lvl1pPr>
-            <a:lvl2pPr marL="421721" indent="0">
+            </a:lvl2pPr>
+            <a:lvl3pPr marL="1012132" indent="0">
               <a:buNone/>
               <a:defRPr sz="1100"/>
-            </a:lvl2pPr>
-            <a:lvl3pPr marL="843443" indent="0">
+            </a:lvl3pPr>
+            <a:lvl4pPr marL="1518197" indent="0">
               <a:buNone/>
-              <a:defRPr sz="900"/>
-            </a:lvl3pPr>
-            <a:lvl4pPr marL="1265164" indent="0">
+              <a:defRPr sz="1000"/>
+            </a:lvl4pPr>
+            <a:lvl5pPr marL="2024262" indent="0">
               <a:buNone/>
-              <a:defRPr sz="800"/>
-            </a:lvl4pPr>
-            <a:lvl5pPr marL="1686885" indent="0">
+              <a:defRPr sz="1000"/>
+            </a:lvl5pPr>
+            <a:lvl6pPr marL="2530327" indent="0">
               <a:buNone/>
-              <a:defRPr sz="800"/>
-            </a:lvl5pPr>
-            <a:lvl6pPr marL="2108606" indent="0">
+              <a:defRPr sz="1000"/>
+            </a:lvl6pPr>
+            <a:lvl7pPr marL="3036394" indent="0">
               <a:buNone/>
-              <a:defRPr sz="800"/>
-            </a:lvl6pPr>
-            <a:lvl7pPr marL="2530328" indent="0">
+              <a:defRPr sz="1000"/>
+            </a:lvl7pPr>
+            <a:lvl8pPr marL="3542459" indent="0">
               <a:buNone/>
-              <a:defRPr sz="800"/>
-            </a:lvl7pPr>
-            <a:lvl8pPr marL="2952049" indent="0">
+              <a:defRPr sz="1000"/>
+            </a:lvl8pPr>
+            <a:lvl9pPr marL="4048524" indent="0">
               <a:buNone/>
-              <a:defRPr sz="800"/>
-            </a:lvl8pPr>
-            <a:lvl9pPr marL="3373770" indent="0">
-              <a:buNone/>
-              <a:defRPr sz="800"/>
+              <a:defRPr sz="1000"/>
             </a:lvl9pPr>
           </a:lstStyle>
           <a:p>
@@ -2920,7 +2920,7 @@
             <a:fld id="{1D8BD707-D9CF-40AE-B4C6-C98DA3205C09}" type="datetimeFigureOut">
               <a:rPr lang="en-US" smtClean="0"/>
               <a:pPr/>
-              <a:t>8/25/2012</a:t>
+              <a:t>7/5/2013</a:t>
             </a:fld>
             <a:endParaRPr lang="en-US"/>
           </a:p>
@@ -3011,15 +3011,15 @@
         </p:nvSpPr>
         <p:spPr>
           <a:xfrm>
-            <a:off x="432038" y="230709"/>
-            <a:ext cx="7776687" cy="960173"/>
+            <a:off x="648099" y="346033"/>
+            <a:ext cx="11665744" cy="1440127"/>
           </a:xfrm>
           <a:prstGeom prst="rect">
             <a:avLst/>
           </a:prstGeom>
         </p:spPr>
         <p:txBody>
-          <a:bodyPr vert="horz" lIns="84344" tIns="42172" rIns="84344" bIns="42172" rtlCol="0" anchor="ctr">
+          <a:bodyPr vert="horz" lIns="101213" tIns="50606" rIns="101213" bIns="50606" rtlCol="0" anchor="ctr">
             <a:normAutofit/>
           </a:bodyPr>
           <a:lstStyle/>
@@ -3044,15 +3044,15 @@
         </p:nvSpPr>
         <p:spPr>
           <a:xfrm>
-            <a:off x="432038" y="1344242"/>
-            <a:ext cx="7776687" cy="3802019"/>
+            <a:off x="648099" y="2016180"/>
+            <a:ext cx="11665744" cy="5702504"/>
           </a:xfrm>
           <a:prstGeom prst="rect">
             <a:avLst/>
           </a:prstGeom>
         </p:spPr>
         <p:txBody>
-          <a:bodyPr vert="horz" lIns="84344" tIns="42172" rIns="84344" bIns="42172" rtlCol="0">
+          <a:bodyPr vert="horz" lIns="101213" tIns="50606" rIns="101213" bIns="50606" rtlCol="0">
             <a:normAutofit/>
           </a:bodyPr>
           <a:lstStyle/>
@@ -3106,18 +3106,18 @@
         </p:nvSpPr>
         <p:spPr>
           <a:xfrm>
-            <a:off x="432039" y="5339630"/>
-            <a:ext cx="2016178" cy="306722"/>
+            <a:off x="648101" y="8008710"/>
+            <a:ext cx="3024452" cy="460040"/>
           </a:xfrm>
           <a:prstGeom prst="rect">
             <a:avLst/>
           </a:prstGeom>
         </p:spPr>
         <p:txBody>
-          <a:bodyPr vert="horz" lIns="84344" tIns="42172" rIns="84344" bIns="42172" rtlCol="0" anchor="ctr"/>
+          <a:bodyPr vert="horz" lIns="101213" tIns="50606" rIns="101213" bIns="50606" rtlCol="0" anchor="ctr"/>
           <a:lstStyle>
             <a:lvl1pPr algn="l">
-              <a:defRPr sz="1100">
+              <a:defRPr sz="1300">
                 <a:solidFill>
                   <a:schemeClr val="tx1">
                     <a:tint val="75000"/>
@@ -3130,7 +3130,7 @@
             <a:fld id="{1D8BD707-D9CF-40AE-B4C6-C98DA3205C09}" type="datetimeFigureOut">
               <a:rPr lang="en-US" smtClean="0"/>
               <a:pPr/>
-              <a:t>8/25/2012</a:t>
+              <a:t>7/5/2013</a:t>
             </a:fld>
             <a:endParaRPr lang="en-US"/>
           </a:p>
@@ -3148,18 +3148,18 @@
         </p:nvSpPr>
         <p:spPr>
           <a:xfrm>
-            <a:off x="2952262" y="5339630"/>
-            <a:ext cx="2736242" cy="306722"/>
+            <a:off x="4428664" y="8008710"/>
+            <a:ext cx="4104614" cy="460040"/>
           </a:xfrm>
           <a:prstGeom prst="rect">
             <a:avLst/>
           </a:prstGeom>
         </p:spPr>
         <p:txBody>
-          <a:bodyPr vert="horz" lIns="84344" tIns="42172" rIns="84344" bIns="42172" rtlCol="0" anchor="ctr"/>
+          <a:bodyPr vert="horz" lIns="101213" tIns="50606" rIns="101213" bIns="50606" rtlCol="0" anchor="ctr"/>
           <a:lstStyle>
             <a:lvl1pPr algn="ctr">
-              <a:defRPr sz="1100">
+              <a:defRPr sz="1300">
                 <a:solidFill>
                   <a:schemeClr val="tx1">
                     <a:tint val="75000"/>
@@ -3185,18 +3185,18 @@
         </p:nvSpPr>
         <p:spPr>
           <a:xfrm>
-            <a:off x="6192548" y="5339630"/>
-            <a:ext cx="2016178" cy="306722"/>
+            <a:off x="9289393" y="8008710"/>
+            <a:ext cx="3024452" cy="460040"/>
           </a:xfrm>
           <a:prstGeom prst="rect">
             <a:avLst/>
           </a:prstGeom>
         </p:spPr>
         <p:txBody>
-          <a:bodyPr vert="horz" lIns="84344" tIns="42172" rIns="84344" bIns="42172" rtlCol="0" anchor="ctr"/>
+          <a:bodyPr vert="horz" lIns="101213" tIns="50606" rIns="101213" bIns="50606" rtlCol="0" anchor="ctr"/>
           <a:lstStyle>
             <a:lvl1pPr algn="r">
-              <a:defRPr sz="1100">
+              <a:defRPr sz="1300">
                 <a:solidFill>
                   <a:schemeClr val="tx1">
                     <a:tint val="75000"/>
@@ -3233,12 +3233,12 @@
   </p:sldLayoutIdLst>
   <p:txStyles>
     <p:titleStyle>
-      <a:lvl1pPr algn="ctr" defTabSz="843443" rtl="0" eaLnBrk="1" latinLnBrk="0" hangingPunct="1">
+      <a:lvl1pPr algn="ctr" defTabSz="1012132" rtl="0" eaLnBrk="1" latinLnBrk="0" hangingPunct="1">
         <a:spcBef>
           <a:spcPct val="0"/>
         </a:spcBef>
         <a:buNone/>
-        <a:defRPr sz="4100" kern="1200">
+        <a:defRPr sz="4900" kern="1200">
           <a:solidFill>
             <a:schemeClr val="tx1"/>
           </a:solidFill>
@@ -3249,13 +3249,13 @@
       </a:lvl1pPr>
     </p:titleStyle>
     <p:bodyStyle>
-      <a:lvl1pPr marL="316291" indent="-316291" algn="l" defTabSz="843443" rtl="0" eaLnBrk="1" latinLnBrk="0" hangingPunct="1">
+      <a:lvl1pPr marL="379549" indent="-379549" algn="l" defTabSz="1012132" rtl="0" eaLnBrk="1" latinLnBrk="0" hangingPunct="1">
         <a:spcBef>
           <a:spcPct val="20000"/>
         </a:spcBef>
         <a:buFont typeface="Arial" pitchFamily="34" charset="0"/>
         <a:buChar char="•"/>
-        <a:defRPr sz="3000" kern="1200">
+        <a:defRPr sz="3600" kern="1200">
           <a:solidFill>
             <a:schemeClr val="tx1"/>
           </a:solidFill>
@@ -3264,12 +3264,27 @@
           <a:cs typeface="+mn-cs"/>
         </a:defRPr>
       </a:lvl1pPr>
-      <a:lvl2pPr marL="685297" indent="-263576" algn="l" defTabSz="843443" rtl="0" eaLnBrk="1" latinLnBrk="0" hangingPunct="1">
+      <a:lvl2pPr marL="822356" indent="-316291" algn="l" defTabSz="1012132" rtl="0" eaLnBrk="1" latinLnBrk="0" hangingPunct="1">
         <a:spcBef>
           <a:spcPct val="20000"/>
         </a:spcBef>
         <a:buFont typeface="Arial" pitchFamily="34" charset="0"/>
         <a:buChar char="–"/>
+        <a:defRPr sz="3100" kern="1200">
+          <a:solidFill>
+            <a:schemeClr val="tx1"/>
+          </a:solidFill>
+          <a:latin typeface="+mn-lt"/>
+          <a:ea typeface="+mn-ea"/>
+          <a:cs typeface="+mn-cs"/>
+        </a:defRPr>
+      </a:lvl2pPr>
+      <a:lvl3pPr marL="1265164" indent="-253033" algn="l" defTabSz="1012132" rtl="0" eaLnBrk="1" latinLnBrk="0" hangingPunct="1">
+        <a:spcBef>
+          <a:spcPct val="20000"/>
+        </a:spcBef>
+        <a:buFont typeface="Arial" pitchFamily="34" charset="0"/>
+        <a:buChar char="•"/>
         <a:defRPr sz="2600" kern="1200">
           <a:solidFill>
             <a:schemeClr val="tx1"/>
@@ -3278,8 +3293,38 @@
           <a:ea typeface="+mn-ea"/>
           <a:cs typeface="+mn-cs"/>
         </a:defRPr>
-      </a:lvl2pPr>
-      <a:lvl3pPr marL="1054303" indent="-210861" algn="l" defTabSz="843443" rtl="0" eaLnBrk="1" latinLnBrk="0" hangingPunct="1">
+      </a:lvl3pPr>
+      <a:lvl4pPr marL="1771229" indent="-253033" algn="l" defTabSz="1012132" rtl="0" eaLnBrk="1" latinLnBrk="0" hangingPunct="1">
+        <a:spcBef>
+          <a:spcPct val="20000"/>
+        </a:spcBef>
+        <a:buFont typeface="Arial" pitchFamily="34" charset="0"/>
+        <a:buChar char="–"/>
+        <a:defRPr sz="2200" kern="1200">
+          <a:solidFill>
+            <a:schemeClr val="tx1"/>
+          </a:solidFill>
+          <a:latin typeface="+mn-lt"/>
+          <a:ea typeface="+mn-ea"/>
+          <a:cs typeface="+mn-cs"/>
+        </a:defRPr>
+      </a:lvl4pPr>
+      <a:lvl5pPr marL="2277295" indent="-253033" algn="l" defTabSz="1012132" rtl="0" eaLnBrk="1" latinLnBrk="0" hangingPunct="1">
+        <a:spcBef>
+          <a:spcPct val="20000"/>
+        </a:spcBef>
+        <a:buFont typeface="Arial" pitchFamily="34" charset="0"/>
+        <a:buChar char="»"/>
+        <a:defRPr sz="2200" kern="1200">
+          <a:solidFill>
+            <a:schemeClr val="tx1"/>
+          </a:solidFill>
+          <a:latin typeface="+mn-lt"/>
+          <a:ea typeface="+mn-ea"/>
+          <a:cs typeface="+mn-cs"/>
+        </a:defRPr>
+      </a:lvl5pPr>
+      <a:lvl6pPr marL="2783360" indent="-253033" algn="l" defTabSz="1012132" rtl="0" eaLnBrk="1" latinLnBrk="0" hangingPunct="1">
         <a:spcBef>
           <a:spcPct val="20000"/>
         </a:spcBef>
@@ -3293,59 +3338,14 @@
           <a:ea typeface="+mn-ea"/>
           <a:cs typeface="+mn-cs"/>
         </a:defRPr>
-      </a:lvl3pPr>
-      <a:lvl4pPr marL="1476024" indent="-210861" algn="l" defTabSz="843443" rtl="0" eaLnBrk="1" latinLnBrk="0" hangingPunct="1">
-        <a:spcBef>
-          <a:spcPct val="20000"/>
-        </a:spcBef>
-        <a:buFont typeface="Arial" pitchFamily="34" charset="0"/>
-        <a:buChar char="–"/>
-        <a:defRPr sz="1800" kern="1200">
-          <a:solidFill>
-            <a:schemeClr val="tx1"/>
-          </a:solidFill>
-          <a:latin typeface="+mn-lt"/>
-          <a:ea typeface="+mn-ea"/>
-          <a:cs typeface="+mn-cs"/>
-        </a:defRPr>
-      </a:lvl4pPr>
-      <a:lvl5pPr marL="1897746" indent="-210861" algn="l" defTabSz="843443" rtl="0" eaLnBrk="1" latinLnBrk="0" hangingPunct="1">
-        <a:spcBef>
-          <a:spcPct val="20000"/>
-        </a:spcBef>
-        <a:buFont typeface="Arial" pitchFamily="34" charset="0"/>
-        <a:buChar char="»"/>
-        <a:defRPr sz="1800" kern="1200">
-          <a:solidFill>
-            <a:schemeClr val="tx1"/>
-          </a:solidFill>
-          <a:latin typeface="+mn-lt"/>
-          <a:ea typeface="+mn-ea"/>
-          <a:cs typeface="+mn-cs"/>
-        </a:defRPr>
-      </a:lvl5pPr>
-      <a:lvl6pPr marL="2319467" indent="-210861" algn="l" defTabSz="843443" rtl="0" eaLnBrk="1" latinLnBrk="0" hangingPunct="1">
+      </a:lvl6pPr>
+      <a:lvl7pPr marL="3289426" indent="-253033" algn="l" defTabSz="1012132" rtl="0" eaLnBrk="1" latinLnBrk="0" hangingPunct="1">
         <a:spcBef>
           <a:spcPct val="20000"/>
         </a:spcBef>
         <a:buFont typeface="Arial" pitchFamily="34" charset="0"/>
         <a:buChar char="•"/>
-        <a:defRPr sz="1800" kern="1200">
-          <a:solidFill>
-            <a:schemeClr val="tx1"/>
-          </a:solidFill>
-          <a:latin typeface="+mn-lt"/>
-          <a:ea typeface="+mn-ea"/>
-          <a:cs typeface="+mn-cs"/>
-        </a:defRPr>
-      </a:lvl6pPr>
-      <a:lvl7pPr marL="2741188" indent="-210861" algn="l" defTabSz="843443" rtl="0" eaLnBrk="1" latinLnBrk="0" hangingPunct="1">
-        <a:spcBef>
-          <a:spcPct val="20000"/>
-        </a:spcBef>
-        <a:buFont typeface="Arial" pitchFamily="34" charset="0"/>
-        <a:buChar char="•"/>
-        <a:defRPr sz="1800" kern="1200">
+        <a:defRPr sz="2200" kern="1200">
           <a:solidFill>
             <a:schemeClr val="tx1"/>
           </a:solidFill>
@@ -3354,13 +3354,13 @@
           <a:cs typeface="+mn-cs"/>
         </a:defRPr>
       </a:lvl7pPr>
-      <a:lvl8pPr marL="3162910" indent="-210861" algn="l" defTabSz="843443" rtl="0" eaLnBrk="1" latinLnBrk="0" hangingPunct="1">
+      <a:lvl8pPr marL="3795492" indent="-253033" algn="l" defTabSz="1012132" rtl="0" eaLnBrk="1" latinLnBrk="0" hangingPunct="1">
         <a:spcBef>
           <a:spcPct val="20000"/>
         </a:spcBef>
         <a:buFont typeface="Arial" pitchFamily="34" charset="0"/>
         <a:buChar char="•"/>
-        <a:defRPr sz="1800" kern="1200">
+        <a:defRPr sz="2200" kern="1200">
           <a:solidFill>
             <a:schemeClr val="tx1"/>
           </a:solidFill>
@@ -3369,13 +3369,13 @@
           <a:cs typeface="+mn-cs"/>
         </a:defRPr>
       </a:lvl8pPr>
-      <a:lvl9pPr marL="3584631" indent="-210861" algn="l" defTabSz="843443" rtl="0" eaLnBrk="1" latinLnBrk="0" hangingPunct="1">
+      <a:lvl9pPr marL="4301557" indent="-253033" algn="l" defTabSz="1012132" rtl="0" eaLnBrk="1" latinLnBrk="0" hangingPunct="1">
         <a:spcBef>
           <a:spcPct val="20000"/>
         </a:spcBef>
         <a:buFont typeface="Arial" pitchFamily="34" charset="0"/>
         <a:buChar char="•"/>
-        <a:defRPr sz="1800" kern="1200">
+        <a:defRPr sz="2200" kern="1200">
           <a:solidFill>
             <a:schemeClr val="tx1"/>
           </a:solidFill>
@@ -3389,8 +3389,8 @@
       <a:defPPr>
         <a:defRPr lang="en-US"/>
       </a:defPPr>
-      <a:lvl1pPr marL="0" algn="l" defTabSz="843443" rtl="0" eaLnBrk="1" latinLnBrk="0" hangingPunct="1">
-        <a:defRPr sz="1700" kern="1200">
+      <a:lvl1pPr marL="0" algn="l" defTabSz="1012132" rtl="0" eaLnBrk="1" latinLnBrk="0" hangingPunct="1">
+        <a:defRPr sz="2000" kern="1200">
           <a:solidFill>
             <a:schemeClr val="tx1"/>
           </a:solidFill>
@@ -3399,8 +3399,8 @@
           <a:cs typeface="+mn-cs"/>
         </a:defRPr>
       </a:lvl1pPr>
-      <a:lvl2pPr marL="421721" algn="l" defTabSz="843443" rtl="0" eaLnBrk="1" latinLnBrk="0" hangingPunct="1">
-        <a:defRPr sz="1700" kern="1200">
+      <a:lvl2pPr marL="506065" algn="l" defTabSz="1012132" rtl="0" eaLnBrk="1" latinLnBrk="0" hangingPunct="1">
+        <a:defRPr sz="2000" kern="1200">
           <a:solidFill>
             <a:schemeClr val="tx1"/>
           </a:solidFill>
@@ -3409,8 +3409,8 @@
           <a:cs typeface="+mn-cs"/>
         </a:defRPr>
       </a:lvl2pPr>
-      <a:lvl3pPr marL="843443" algn="l" defTabSz="843443" rtl="0" eaLnBrk="1" latinLnBrk="0" hangingPunct="1">
-        <a:defRPr sz="1700" kern="1200">
+      <a:lvl3pPr marL="1012132" algn="l" defTabSz="1012132" rtl="0" eaLnBrk="1" latinLnBrk="0" hangingPunct="1">
+        <a:defRPr sz="2000" kern="1200">
           <a:solidFill>
             <a:schemeClr val="tx1"/>
           </a:solidFill>
@@ -3419,8 +3419,8 @@
           <a:cs typeface="+mn-cs"/>
         </a:defRPr>
       </a:lvl3pPr>
-      <a:lvl4pPr marL="1265164" algn="l" defTabSz="843443" rtl="0" eaLnBrk="1" latinLnBrk="0" hangingPunct="1">
-        <a:defRPr sz="1700" kern="1200">
+      <a:lvl4pPr marL="1518197" algn="l" defTabSz="1012132" rtl="0" eaLnBrk="1" latinLnBrk="0" hangingPunct="1">
+        <a:defRPr sz="2000" kern="1200">
           <a:solidFill>
             <a:schemeClr val="tx1"/>
           </a:solidFill>
@@ -3429,8 +3429,8 @@
           <a:cs typeface="+mn-cs"/>
         </a:defRPr>
       </a:lvl4pPr>
-      <a:lvl5pPr marL="1686885" algn="l" defTabSz="843443" rtl="0" eaLnBrk="1" latinLnBrk="0" hangingPunct="1">
-        <a:defRPr sz="1700" kern="1200">
+      <a:lvl5pPr marL="2024262" algn="l" defTabSz="1012132" rtl="0" eaLnBrk="1" latinLnBrk="0" hangingPunct="1">
+        <a:defRPr sz="2000" kern="1200">
           <a:solidFill>
             <a:schemeClr val="tx1"/>
           </a:solidFill>
@@ -3439,8 +3439,8 @@
           <a:cs typeface="+mn-cs"/>
         </a:defRPr>
       </a:lvl5pPr>
-      <a:lvl6pPr marL="2108606" algn="l" defTabSz="843443" rtl="0" eaLnBrk="1" latinLnBrk="0" hangingPunct="1">
-        <a:defRPr sz="1700" kern="1200">
+      <a:lvl6pPr marL="2530327" algn="l" defTabSz="1012132" rtl="0" eaLnBrk="1" latinLnBrk="0" hangingPunct="1">
+        <a:defRPr sz="2000" kern="1200">
           <a:solidFill>
             <a:schemeClr val="tx1"/>
           </a:solidFill>
@@ -3449,8 +3449,8 @@
           <a:cs typeface="+mn-cs"/>
         </a:defRPr>
       </a:lvl6pPr>
-      <a:lvl7pPr marL="2530328" algn="l" defTabSz="843443" rtl="0" eaLnBrk="1" latinLnBrk="0" hangingPunct="1">
-        <a:defRPr sz="1700" kern="1200">
+      <a:lvl7pPr marL="3036394" algn="l" defTabSz="1012132" rtl="0" eaLnBrk="1" latinLnBrk="0" hangingPunct="1">
+        <a:defRPr sz="2000" kern="1200">
           <a:solidFill>
             <a:schemeClr val="tx1"/>
           </a:solidFill>
@@ -3459,8 +3459,8 @@
           <a:cs typeface="+mn-cs"/>
         </a:defRPr>
       </a:lvl7pPr>
-      <a:lvl8pPr marL="2952049" algn="l" defTabSz="843443" rtl="0" eaLnBrk="1" latinLnBrk="0" hangingPunct="1">
-        <a:defRPr sz="1700" kern="1200">
+      <a:lvl8pPr marL="3542459" algn="l" defTabSz="1012132" rtl="0" eaLnBrk="1" latinLnBrk="0" hangingPunct="1">
+        <a:defRPr sz="2000" kern="1200">
           <a:solidFill>
             <a:schemeClr val="tx1"/>
           </a:solidFill>
@@ -3469,8 +3469,8 @@
           <a:cs typeface="+mn-cs"/>
         </a:defRPr>
       </a:lvl8pPr>
-      <a:lvl9pPr marL="3373770" algn="l" defTabSz="843443" rtl="0" eaLnBrk="1" latinLnBrk="0" hangingPunct="1">
-        <a:defRPr sz="1700" kern="1200">
+      <a:lvl9pPr marL="4048524" algn="l" defTabSz="1012132" rtl="0" eaLnBrk="1" latinLnBrk="0" hangingPunct="1">
+        <a:defRPr sz="2000" kern="1200">
           <a:solidFill>
             <a:schemeClr val="tx1"/>
           </a:solidFill>
@@ -3503,14 +3503,50 @@
       </p:grpSpPr>
       <p:cxnSp>
         <p:nvCxnSpPr>
-          <p:cNvPr id="64" name="Straight Connector 63"/>
+          <p:cNvPr id="273" name="Straight Connector 272"/>
           <p:cNvCxnSpPr/>
           <p:nvPr/>
         </p:nvCxnSpPr>
         <p:spPr>
           <a:xfrm>
-            <a:off x="5801916" y="684349"/>
-            <a:ext cx="0" cy="4826154"/>
+            <a:off x="10653988" y="4484507"/>
+            <a:ext cx="0" cy="2482403"/>
+          </a:xfrm>
+          <a:prstGeom prst="line">
+            <a:avLst/>
+          </a:prstGeom>
+          <a:ln w="28575">
+            <a:solidFill>
+              <a:srgbClr val="00B050"/>
+            </a:solidFill>
+            <a:prstDash val="sysDash"/>
+          </a:ln>
+        </p:spPr>
+        <p:style>
+          <a:lnRef idx="1">
+            <a:schemeClr val="accent1"/>
+          </a:lnRef>
+          <a:fillRef idx="0">
+            <a:schemeClr val="accent1"/>
+          </a:fillRef>
+          <a:effectRef idx="0">
+            <a:schemeClr val="accent1"/>
+          </a:effectRef>
+          <a:fontRef idx="minor">
+            <a:schemeClr val="tx1"/>
+          </a:fontRef>
+        </p:style>
+      </p:cxnSp>
+      <p:cxnSp>
+        <p:nvCxnSpPr>
+          <p:cNvPr id="188" name="Straight Connector 187"/>
+          <p:cNvCxnSpPr/>
+          <p:nvPr/>
+        </p:nvCxnSpPr>
+        <p:spPr>
+          <a:xfrm>
+            <a:off x="9408339" y="684349"/>
+            <a:ext cx="0" cy="7114678"/>
           </a:xfrm>
           <a:prstGeom prst="line">
             <a:avLst/>
@@ -3539,14 +3575,14 @@
       </p:cxnSp>
       <p:sp>
         <p:nvSpPr>
-          <p:cNvPr id="241" name="Rounded Rectangle 240"/>
+          <p:cNvPr id="190" name="Rounded Rectangle 189"/>
           <p:cNvSpPr/>
           <p:nvPr/>
         </p:nvSpPr>
         <p:spPr>
           <a:xfrm>
-            <a:off x="5730497" y="1691886"/>
-            <a:ext cx="183817" cy="2255433"/>
+            <a:off x="9336921" y="3415784"/>
+            <a:ext cx="190288" cy="1689276"/>
           </a:xfrm>
           <a:prstGeom prst="roundRect">
             <a:avLst/>
@@ -3590,14 +3626,14 @@
       </p:sp>
       <p:cxnSp>
         <p:nvCxnSpPr>
-          <p:cNvPr id="68" name="Straight Connector 67"/>
+          <p:cNvPr id="191" name="Straight Connector 190"/>
           <p:cNvCxnSpPr/>
           <p:nvPr/>
         </p:nvCxnSpPr>
         <p:spPr>
           <a:xfrm>
             <a:off x="680022" y="684349"/>
-            <a:ext cx="0" cy="4826154"/>
+            <a:ext cx="0" cy="7674632"/>
           </a:xfrm>
           <a:prstGeom prst="line">
             <a:avLst/>
@@ -3628,7 +3664,7 @@
       </p:cxnSp>
       <p:cxnSp>
         <p:nvCxnSpPr>
-          <p:cNvPr id="67" name="Straight Connector 66"/>
+          <p:cNvPr id="192" name="Straight Connector 191"/>
           <p:cNvCxnSpPr/>
           <p:nvPr/>
         </p:nvCxnSpPr>
@@ -3642,7 +3678,9 @@
           </a:prstGeom>
           <a:ln w="28575">
             <a:solidFill>
-              <a:srgbClr val="0070C0"/>
+              <a:schemeClr val="bg1">
+                <a:lumMod val="50000"/>
+              </a:schemeClr>
             </a:solidFill>
             <a:prstDash val="sysDash"/>
           </a:ln>
@@ -3664,7 +3702,7 @@
       </p:cxnSp>
       <p:sp>
         <p:nvSpPr>
-          <p:cNvPr id="189" name="Rectangle 188"/>
+          <p:cNvPr id="193" name="Rectangle 192"/>
           <p:cNvSpPr/>
           <p:nvPr/>
         </p:nvSpPr>
@@ -3711,22 +3749,22 @@
           <a:p>
             <a:pPr algn="ctr"/>
             <a:r>
-              <a:rPr lang="en-US" sz="1600" b="1" dirty="0" smtClean="0"/>
+              <a:rPr lang="en-US" sz="1400" b="1" dirty="0" smtClean="0"/>
               <a:t>:Browser</a:t>
             </a:r>
-            <a:endParaRPr lang="en-SG" sz="1600" b="1" dirty="0"/>
-          </a:p>
-        </p:txBody>
-      </p:sp>
-      <p:sp>
-        <p:nvSpPr>
-          <p:cNvPr id="211" name="Folded Corner 210"/>
+            <a:endParaRPr lang="en-SG" sz="1400" b="1" dirty="0"/>
+          </a:p>
+        </p:txBody>
+      </p:sp>
+      <p:sp>
+        <p:nvSpPr>
+          <p:cNvPr id="194" name="Folded Corner 193"/>
           <p:cNvSpPr/>
           <p:nvPr/>
         </p:nvSpPr>
         <p:spPr>
           <a:xfrm>
-            <a:off x="993230" y="4735873"/>
+            <a:off x="993230" y="7394935"/>
             <a:ext cx="621350" cy="587590"/>
           </a:xfrm>
           <a:prstGeom prst="foldedCorner">
@@ -3737,7 +3775,9 @@
           </a:solidFill>
           <a:ln>
             <a:solidFill>
-              <a:srgbClr val="0070C0"/>
+              <a:schemeClr val="bg1">
+                <a:lumMod val="50000"/>
+              </a:schemeClr>
             </a:solidFill>
           </a:ln>
         </p:spPr>
@@ -3765,14 +3805,18 @@
             <a:r>
               <a:rPr lang="en-US" sz="1600" b="1" dirty="0" smtClean="0">
                 <a:solidFill>
-                  <a:srgbClr val="0070C0"/>
+                  <a:schemeClr val="bg1">
+                    <a:lumMod val="50000"/>
+                  </a:schemeClr>
                 </a:solidFill>
               </a:rPr>
               <a:t>Web page</a:t>
             </a:r>
             <a:endParaRPr lang="en-SG" sz="1600" b="1" dirty="0">
               <a:solidFill>
-                <a:srgbClr val="0070C0"/>
+                <a:schemeClr val="bg1">
+                  <a:lumMod val="50000"/>
+                </a:schemeClr>
               </a:solidFill>
             </a:endParaRPr>
           </a:p>
@@ -3780,14 +3824,14 @@
       </p:sp>
       <p:sp>
         <p:nvSpPr>
-          <p:cNvPr id="226" name="Rounded Rectangle 225"/>
+          <p:cNvPr id="195" name="Rounded Rectangle 194"/>
           <p:cNvSpPr/>
           <p:nvPr/>
         </p:nvSpPr>
         <p:spPr>
           <a:xfrm>
-            <a:off x="8041430" y="114387"/>
-            <a:ext cx="914400" cy="5525997"/>
+            <a:off x="11891169" y="114387"/>
+            <a:ext cx="914400" cy="8244594"/>
           </a:xfrm>
           <a:prstGeom prst="roundRect">
             <a:avLst>
@@ -3838,14 +3882,14 @@
       </p:sp>
       <p:sp>
         <p:nvSpPr>
-          <p:cNvPr id="227" name="Rectangle 226"/>
+          <p:cNvPr id="196" name="Rectangle 195"/>
           <p:cNvSpPr/>
           <p:nvPr/>
         </p:nvSpPr>
         <p:spPr>
           <a:xfrm>
-            <a:off x="8498630" y="-36513"/>
-            <a:ext cx="609600" cy="5867400"/>
+            <a:off x="12348369" y="-36513"/>
+            <a:ext cx="609600" cy="8547894"/>
           </a:xfrm>
           <a:prstGeom prst="rect">
             <a:avLst/>
@@ -3887,7 +3931,7 @@
       </p:sp>
       <p:pic>
         <p:nvPicPr>
-          <p:cNvPr id="58" name="Picture 2" descr="http://screenshots.en.sftcdn.net/en/scrn/70000/70210/google-app-engine-1.jpg"/>
+          <p:cNvPr id="197" name="Picture 2" descr="http://screenshots.en.sftcdn.net/en/scrn/70000/70210/google-app-engine-1.jpg"/>
           <p:cNvPicPr>
             <a:picLocks noChangeAspect="1" noChangeArrowheads="1"/>
           </p:cNvPicPr>
@@ -3905,6 +3949,17 @@
                 </a:srgbClr>
               </a:clrTo>
             </a:clrChange>
+            <a:extLst>
+              <a:ext uri="{BEBA8EAE-BF5A-486C-A8C5-ECC9F3942E4B}">
+                <a14:imgProps xmlns:a14="http://schemas.microsoft.com/office/drawing/2010/main">
+                  <a14:imgLayer r:embed="rId4">
+                    <a14:imgEffect>
+                      <a14:saturation sat="0"/>
+                    </a14:imgEffect>
+                  </a14:imgLayer>
+                </a14:imgProps>
+              </a:ext>
+            </a:extLst>
           </a:blip>
           <a:srcRect/>
           <a:stretch>
@@ -3924,16 +3979,16 @@
       </p:pic>
       <p:cxnSp>
         <p:nvCxnSpPr>
-          <p:cNvPr id="3" name="Straight Connector 2"/>
+          <p:cNvPr id="198" name="Straight Connector 197"/>
           <p:cNvCxnSpPr>
-            <a:stCxn id="60" idx="2"/>
+            <a:stCxn id="204" idx="2"/>
           </p:cNvCxnSpPr>
           <p:nvPr/>
         </p:nvCxnSpPr>
         <p:spPr>
           <a:xfrm>
             <a:off x="3058478" y="772068"/>
-            <a:ext cx="0" cy="1346451"/>
+            <a:ext cx="0" cy="1041651"/>
           </a:xfrm>
           <a:prstGeom prst="line">
             <a:avLst/>
@@ -3964,14 +4019,14 @@
       </p:cxnSp>
       <p:cxnSp>
         <p:nvCxnSpPr>
-          <p:cNvPr id="63" name="Straight Connector 62"/>
+          <p:cNvPr id="199" name="Straight Connector 198"/>
           <p:cNvCxnSpPr/>
           <p:nvPr/>
         </p:nvCxnSpPr>
         <p:spPr>
           <a:xfrm>
-            <a:off x="4257405" y="704086"/>
-            <a:ext cx="0" cy="3700433"/>
+            <a:off x="6641629" y="2351665"/>
+            <a:ext cx="0" cy="3900270"/>
           </a:xfrm>
           <a:prstGeom prst="line">
             <a:avLst/>
@@ -4000,14 +4055,14 @@
       </p:cxnSp>
       <p:cxnSp>
         <p:nvCxnSpPr>
-          <p:cNvPr id="65" name="Straight Connector 64"/>
+          <p:cNvPr id="200" name="Straight Connector 199"/>
           <p:cNvCxnSpPr/>
           <p:nvPr/>
         </p:nvCxnSpPr>
         <p:spPr>
           <a:xfrm>
-            <a:off x="7063581" y="3413919"/>
-            <a:ext cx="0" cy="1321954"/>
+            <a:off x="8408030" y="5436414"/>
+            <a:ext cx="0" cy="1958521"/>
           </a:xfrm>
           <a:prstGeom prst="line">
             <a:avLst/>
@@ -4036,13 +4091,13 @@
       </p:cxnSp>
       <p:sp>
         <p:nvSpPr>
-          <p:cNvPr id="223" name="Rectangle 222"/>
+          <p:cNvPr id="201" name="Rectangle 200"/>
           <p:cNvSpPr/>
           <p:nvPr/>
         </p:nvSpPr>
         <p:spPr>
           <a:xfrm>
-            <a:off x="5234781" y="374320"/>
+            <a:off x="8828453" y="374320"/>
             <a:ext cx="1134270" cy="397748"/>
           </a:xfrm>
           <a:prstGeom prst="rect">
@@ -4071,31 +4126,1822 @@
           <a:p>
             <a:pPr algn="ctr"/>
             <a:r>
-              <a:rPr lang="en-US" sz="1600" b="1" dirty="0" smtClean="0"/>
-              <a:t>:_</a:t>
-            </a:r>
-            <a:r>
-              <a:rPr lang="en-US" sz="1600" b="1" dirty="0" smtClean="0"/>
-              <a:t>xyz_.</a:t>
-            </a:r>
-            <a:r>
-              <a:rPr lang="en-US" sz="1600" b="1" dirty="0" err="1" smtClean="0"/>
+              <a:rPr lang="en-US" sz="1400" b="1" dirty="0" smtClean="0"/>
+              <a:t>:_xyz_.</a:t>
+            </a:r>
+            <a:r>
+              <a:rPr lang="en-US" sz="1400" b="1" dirty="0" err="1" smtClean="0"/>
               <a:t>jsp</a:t>
             </a:r>
-            <a:endParaRPr lang="en-SG" sz="1600" b="1" dirty="0"/>
-          </a:p>
-        </p:txBody>
-      </p:sp>
-      <p:sp>
-        <p:nvSpPr>
-          <p:cNvPr id="238" name="Rectangle 237"/>
+            <a:endParaRPr lang="en-SG" sz="1400" b="1" dirty="0"/>
+          </a:p>
+        </p:txBody>
+      </p:sp>
+      <p:sp>
+        <p:nvSpPr>
+          <p:cNvPr id="203" name="Rectangle 202"/>
           <p:cNvSpPr/>
           <p:nvPr/>
         </p:nvSpPr>
         <p:spPr>
           <a:xfrm>
-            <a:off x="6453980" y="3003968"/>
-            <a:ext cx="1295401" cy="409951"/>
+            <a:off x="3571875" y="381360"/>
+            <a:ext cx="1143000" cy="390708"/>
+          </a:xfrm>
+          <a:prstGeom prst="rect">
+            <a:avLst/>
+          </a:prstGeom>
+        </p:spPr>
+        <p:style>
+          <a:lnRef idx="2">
+            <a:schemeClr val="accent1">
+              <a:shade val="50000"/>
+            </a:schemeClr>
+          </a:lnRef>
+          <a:fillRef idx="1">
+            <a:schemeClr val="accent1"/>
+          </a:fillRef>
+          <a:effectRef idx="0">
+            <a:schemeClr val="accent1"/>
+          </a:effectRef>
+          <a:fontRef idx="minor">
+            <a:schemeClr val="lt1"/>
+          </a:fontRef>
+        </p:style>
+        <p:txBody>
+          <a:bodyPr rtlCol="0" anchor="ctr"/>
+          <a:lstStyle/>
+          <a:p>
+            <a:pPr algn="ctr"/>
+            <a:r>
+              <a:rPr lang="en-US" sz="1400" b="1" dirty="0"/>
+              <a:t>:</a:t>
+            </a:r>
+            <a:r>
+              <a:rPr lang="en-US" sz="1400" b="1" dirty="0" smtClean="0"/>
+              <a:t>Controller</a:t>
+            </a:r>
+            <a:br>
+              <a:rPr lang="en-US" sz="1400" b="1" dirty="0" smtClean="0"/>
+            </a:br>
+            <a:r>
+              <a:rPr lang="en-US" sz="1400" b="1" dirty="0" smtClean="0"/>
+              <a:t>Servlet</a:t>
+            </a:r>
+            <a:endParaRPr lang="en-SG" sz="1400" b="1" dirty="0"/>
+          </a:p>
+        </p:txBody>
+      </p:sp>
+      <p:sp>
+        <p:nvSpPr>
+          <p:cNvPr id="204" name="Rectangle 203"/>
+          <p:cNvSpPr/>
+          <p:nvPr/>
+        </p:nvSpPr>
+        <p:spPr>
+          <a:xfrm>
+            <a:off x="2643981" y="362117"/>
+            <a:ext cx="828994" cy="409951"/>
+          </a:xfrm>
+          <a:prstGeom prst="rect">
+            <a:avLst/>
+          </a:prstGeom>
+        </p:spPr>
+        <p:style>
+          <a:lnRef idx="2">
+            <a:schemeClr val="accent6">
+              <a:shade val="50000"/>
+            </a:schemeClr>
+          </a:lnRef>
+          <a:fillRef idx="1">
+            <a:schemeClr val="accent6"/>
+          </a:fillRef>
+          <a:effectRef idx="0">
+            <a:schemeClr val="accent6"/>
+          </a:effectRef>
+          <a:fontRef idx="minor">
+            <a:schemeClr val="lt1"/>
+          </a:fontRef>
+        </p:style>
+        <p:txBody>
+          <a:bodyPr rtlCol="0" anchor="ctr"/>
+          <a:lstStyle/>
+          <a:p>
+            <a:pPr algn="ctr"/>
+            <a:r>
+              <a:rPr lang="en-US" sz="1400" b="1" dirty="0" smtClean="0"/>
+              <a:t>:*Filter</a:t>
+            </a:r>
+            <a:endParaRPr lang="en-SG" sz="1400" b="1" dirty="0"/>
+          </a:p>
+        </p:txBody>
+      </p:sp>
+      <p:cxnSp>
+        <p:nvCxnSpPr>
+          <p:cNvPr id="205" name="Straight Arrow Connector 204"/>
+          <p:cNvCxnSpPr/>
+          <p:nvPr/>
+        </p:nvCxnSpPr>
+        <p:spPr>
+          <a:xfrm>
+            <a:off x="680022" y="1280319"/>
+            <a:ext cx="1247766" cy="0"/>
+          </a:xfrm>
+          <a:prstGeom prst="straightConnector1">
+            <a:avLst/>
+          </a:prstGeom>
+          <a:ln w="38100">
+            <a:solidFill>
+              <a:schemeClr val="bg1">
+                <a:lumMod val="50000"/>
+              </a:schemeClr>
+            </a:solidFill>
+            <a:prstDash val="solid"/>
+            <a:tailEnd type="arrow"/>
+          </a:ln>
+        </p:spPr>
+        <p:style>
+          <a:lnRef idx="1">
+            <a:schemeClr val="accent1"/>
+          </a:lnRef>
+          <a:fillRef idx="0">
+            <a:schemeClr val="accent1"/>
+          </a:fillRef>
+          <a:effectRef idx="0">
+            <a:schemeClr val="accent1"/>
+          </a:effectRef>
+          <a:fontRef idx="minor">
+            <a:schemeClr val="tx1"/>
+          </a:fontRef>
+        </p:style>
+      </p:cxnSp>
+      <p:cxnSp>
+        <p:nvCxnSpPr>
+          <p:cNvPr id="206" name="Straight Arrow Connector 205"/>
+          <p:cNvCxnSpPr/>
+          <p:nvPr/>
+        </p:nvCxnSpPr>
+        <p:spPr>
+          <a:xfrm>
+            <a:off x="2015903" y="1432719"/>
+            <a:ext cx="977915" cy="0"/>
+          </a:xfrm>
+          <a:prstGeom prst="straightConnector1">
+            <a:avLst/>
+          </a:prstGeom>
+          <a:ln w="38100">
+            <a:solidFill>
+              <a:schemeClr val="bg1">
+                <a:lumMod val="50000"/>
+              </a:schemeClr>
+            </a:solidFill>
+            <a:prstDash val="solid"/>
+            <a:tailEnd type="arrow"/>
+          </a:ln>
+        </p:spPr>
+        <p:style>
+          <a:lnRef idx="1">
+            <a:schemeClr val="accent1"/>
+          </a:lnRef>
+          <a:fillRef idx="0">
+            <a:schemeClr val="accent1"/>
+          </a:fillRef>
+          <a:effectRef idx="0">
+            <a:schemeClr val="accent1"/>
+          </a:effectRef>
+          <a:fontRef idx="minor">
+            <a:schemeClr val="tx1"/>
+          </a:fontRef>
+        </p:style>
+      </p:cxnSp>
+      <p:cxnSp>
+        <p:nvCxnSpPr>
+          <p:cNvPr id="207" name="Straight Arrow Connector 206"/>
+          <p:cNvCxnSpPr/>
+          <p:nvPr/>
+        </p:nvCxnSpPr>
+        <p:spPr>
+          <a:xfrm flipV="1">
+            <a:off x="2015903" y="1889920"/>
+            <a:ext cx="2096275" cy="1"/>
+          </a:xfrm>
+          <a:prstGeom prst="straightConnector1">
+            <a:avLst/>
+          </a:prstGeom>
+          <a:ln w="38100">
+            <a:solidFill>
+              <a:schemeClr val="bg1">
+                <a:lumMod val="50000"/>
+              </a:schemeClr>
+            </a:solidFill>
+            <a:prstDash val="solid"/>
+            <a:tailEnd type="arrow"/>
+          </a:ln>
+        </p:spPr>
+        <p:style>
+          <a:lnRef idx="1">
+            <a:schemeClr val="accent1"/>
+          </a:lnRef>
+          <a:fillRef idx="0">
+            <a:schemeClr val="accent1"/>
+          </a:fillRef>
+          <a:effectRef idx="0">
+            <a:schemeClr val="accent1"/>
+          </a:effectRef>
+          <a:fontRef idx="minor">
+            <a:schemeClr val="tx1"/>
+          </a:fontRef>
+        </p:style>
+      </p:cxnSp>
+      <p:cxnSp>
+        <p:nvCxnSpPr>
+          <p:cNvPr id="208" name="Straight Arrow Connector 207"/>
+          <p:cNvCxnSpPr/>
+          <p:nvPr/>
+        </p:nvCxnSpPr>
+        <p:spPr>
+          <a:xfrm>
+            <a:off x="6645850" y="3697324"/>
+            <a:ext cx="5245319" cy="0"/>
+          </a:xfrm>
+          <a:prstGeom prst="straightConnector1">
+            <a:avLst/>
+          </a:prstGeom>
+          <a:ln w="38100">
+            <a:solidFill>
+              <a:srgbClr val="C00000"/>
+            </a:solidFill>
+            <a:prstDash val="solid"/>
+            <a:tailEnd type="arrow"/>
+          </a:ln>
+        </p:spPr>
+        <p:style>
+          <a:lnRef idx="1">
+            <a:schemeClr val="accent1"/>
+          </a:lnRef>
+          <a:fillRef idx="0">
+            <a:schemeClr val="accent1"/>
+          </a:fillRef>
+          <a:effectRef idx="0">
+            <a:schemeClr val="accent1"/>
+          </a:effectRef>
+          <a:fontRef idx="minor">
+            <a:schemeClr val="tx1"/>
+          </a:fontRef>
+        </p:style>
+      </p:cxnSp>
+      <p:cxnSp>
+        <p:nvCxnSpPr>
+          <p:cNvPr id="209" name="Straight Arrow Connector 208"/>
+          <p:cNvCxnSpPr>
+            <a:endCxn id="202" idx="1"/>
+          </p:cNvCxnSpPr>
+          <p:nvPr/>
+        </p:nvCxnSpPr>
+        <p:spPr>
+          <a:xfrm>
+            <a:off x="6603740" y="5591984"/>
+            <a:ext cx="1172629" cy="0"/>
+          </a:xfrm>
+          <a:prstGeom prst="straightConnector1">
+            <a:avLst/>
+          </a:prstGeom>
+          <a:ln w="38100">
+            <a:solidFill>
+              <a:srgbClr val="C00000"/>
+            </a:solidFill>
+            <a:prstDash val="solid"/>
+            <a:tailEnd type="arrow"/>
+          </a:ln>
+        </p:spPr>
+        <p:style>
+          <a:lnRef idx="1">
+            <a:schemeClr val="accent1"/>
+          </a:lnRef>
+          <a:fillRef idx="0">
+            <a:schemeClr val="accent1"/>
+          </a:fillRef>
+          <a:effectRef idx="0">
+            <a:schemeClr val="accent1"/>
+          </a:effectRef>
+          <a:fontRef idx="minor">
+            <a:schemeClr val="tx1"/>
+          </a:fontRef>
+        </p:style>
+      </p:cxnSp>
+      <p:cxnSp>
+        <p:nvCxnSpPr>
+          <p:cNvPr id="214" name="Straight Arrow Connector 213"/>
+          <p:cNvCxnSpPr/>
+          <p:nvPr/>
+        </p:nvCxnSpPr>
+        <p:spPr>
+          <a:xfrm>
+            <a:off x="2110581" y="7775935"/>
+            <a:ext cx="7157928" cy="0"/>
+          </a:xfrm>
+          <a:prstGeom prst="straightConnector1">
+            <a:avLst/>
+          </a:prstGeom>
+          <a:ln w="38100">
+            <a:solidFill>
+              <a:srgbClr val="7030A0"/>
+            </a:solidFill>
+            <a:prstDash val="sysDot"/>
+            <a:headEnd type="arrow" w="med" len="med"/>
+            <a:tailEnd type="none" w="med" len="med"/>
+          </a:ln>
+        </p:spPr>
+        <p:style>
+          <a:lnRef idx="1">
+            <a:schemeClr val="accent1"/>
+          </a:lnRef>
+          <a:fillRef idx="0">
+            <a:schemeClr val="accent1"/>
+          </a:fillRef>
+          <a:effectRef idx="0">
+            <a:schemeClr val="accent1"/>
+          </a:effectRef>
+          <a:fontRef idx="minor">
+            <a:schemeClr val="tx1"/>
+          </a:fontRef>
+        </p:style>
+      </p:cxnSp>
+      <p:sp>
+        <p:nvSpPr>
+          <p:cNvPr id="215" name="Rectangle 214"/>
+          <p:cNvSpPr/>
+          <p:nvPr/>
+        </p:nvSpPr>
+        <p:spPr>
+          <a:xfrm>
+            <a:off x="2993818" y="1417653"/>
+            <a:ext cx="142836" cy="274233"/>
+          </a:xfrm>
+          <a:prstGeom prst="rect">
+            <a:avLst/>
+          </a:prstGeom>
+          <a:solidFill>
+            <a:schemeClr val="accent6">
+              <a:lumMod val="40000"/>
+              <a:lumOff val="60000"/>
+            </a:schemeClr>
+          </a:solidFill>
+        </p:spPr>
+        <p:style>
+          <a:lnRef idx="2">
+            <a:schemeClr val="accent6"/>
+          </a:lnRef>
+          <a:fillRef idx="1">
+            <a:schemeClr val="lt1"/>
+          </a:fillRef>
+          <a:effectRef idx="0">
+            <a:schemeClr val="accent6"/>
+          </a:effectRef>
+          <a:fontRef idx="minor">
+            <a:schemeClr val="dk1"/>
+          </a:fontRef>
+        </p:style>
+        <p:txBody>
+          <a:bodyPr rtlCol="0" anchor="ctr"/>
+          <a:lstStyle/>
+          <a:p>
+            <a:pPr algn="ctr"/>
+            <a:endParaRPr lang="en-SG"/>
+          </a:p>
+        </p:txBody>
+      </p:sp>
+      <p:cxnSp>
+        <p:nvCxnSpPr>
+          <p:cNvPr id="216" name="Straight Arrow Connector 215"/>
+          <p:cNvCxnSpPr/>
+          <p:nvPr/>
+        </p:nvCxnSpPr>
+        <p:spPr>
+          <a:xfrm>
+            <a:off x="2110581" y="1661319"/>
+            <a:ext cx="883237" cy="0"/>
+          </a:xfrm>
+          <a:prstGeom prst="straightConnector1">
+            <a:avLst/>
+          </a:prstGeom>
+          <a:ln w="38100">
+            <a:solidFill>
+              <a:schemeClr val="accent6">
+                <a:lumMod val="75000"/>
+              </a:schemeClr>
+            </a:solidFill>
+            <a:prstDash val="sysDot"/>
+            <a:headEnd type="arrow" w="med" len="med"/>
+            <a:tailEnd type="none" w="med" len="med"/>
+          </a:ln>
+        </p:spPr>
+        <p:style>
+          <a:lnRef idx="1">
+            <a:schemeClr val="accent1"/>
+          </a:lnRef>
+          <a:fillRef idx="0">
+            <a:schemeClr val="accent1"/>
+          </a:fillRef>
+          <a:effectRef idx="0">
+            <a:schemeClr val="accent1"/>
+          </a:effectRef>
+          <a:fontRef idx="minor">
+            <a:schemeClr val="tx1"/>
+          </a:fontRef>
+        </p:style>
+      </p:cxnSp>
+      <p:cxnSp>
+        <p:nvCxnSpPr>
+          <p:cNvPr id="219" name="Straight Arrow Connector 218"/>
+          <p:cNvCxnSpPr/>
+          <p:nvPr/>
+        </p:nvCxnSpPr>
+        <p:spPr>
+          <a:xfrm>
+            <a:off x="680022" y="8130381"/>
+            <a:ext cx="1247766" cy="0"/>
+          </a:xfrm>
+          <a:prstGeom prst="straightConnector1">
+            <a:avLst/>
+          </a:prstGeom>
+          <a:ln w="38100">
+            <a:solidFill>
+              <a:schemeClr val="bg1">
+                <a:lumMod val="50000"/>
+              </a:schemeClr>
+            </a:solidFill>
+            <a:prstDash val="sysDot"/>
+            <a:headEnd type="arrow" w="med" len="med"/>
+            <a:tailEnd type="none" w="med" len="med"/>
+          </a:ln>
+        </p:spPr>
+        <p:style>
+          <a:lnRef idx="1">
+            <a:schemeClr val="accent1"/>
+          </a:lnRef>
+          <a:fillRef idx="0">
+            <a:schemeClr val="accent1"/>
+          </a:fillRef>
+          <a:effectRef idx="0">
+            <a:schemeClr val="accent1"/>
+          </a:effectRef>
+          <a:fontRef idx="minor">
+            <a:schemeClr val="tx1"/>
+          </a:fontRef>
+        </p:style>
+      </p:cxnSp>
+      <p:sp>
+        <p:nvSpPr>
+          <p:cNvPr id="220" name="Rectangle 219"/>
+          <p:cNvSpPr/>
+          <p:nvPr/>
+        </p:nvSpPr>
+        <p:spPr>
+          <a:xfrm>
+            <a:off x="1962963" y="1280318"/>
+            <a:ext cx="152714" cy="6850063"/>
+          </a:xfrm>
+          <a:prstGeom prst="rect">
+            <a:avLst/>
+          </a:prstGeom>
+          <a:solidFill>
+            <a:schemeClr val="bg1">
+              <a:lumMod val="65000"/>
+            </a:schemeClr>
+          </a:solidFill>
+          <a:ln>
+            <a:solidFill>
+              <a:schemeClr val="bg1">
+                <a:lumMod val="50000"/>
+              </a:schemeClr>
+            </a:solidFill>
+          </a:ln>
+        </p:spPr>
+        <p:style>
+          <a:lnRef idx="2">
+            <a:schemeClr val="accent1">
+              <a:shade val="50000"/>
+            </a:schemeClr>
+          </a:lnRef>
+          <a:fillRef idx="1">
+            <a:schemeClr val="accent1"/>
+          </a:fillRef>
+          <a:effectRef idx="0">
+            <a:schemeClr val="accent1"/>
+          </a:effectRef>
+          <a:fontRef idx="minor">
+            <a:schemeClr val="lt1"/>
+          </a:fontRef>
+        </p:style>
+        <p:txBody>
+          <a:bodyPr rtlCol="0" anchor="ctr"/>
+          <a:lstStyle/>
+          <a:p>
+            <a:pPr algn="ctr"/>
+            <a:endParaRPr lang="en-SG" sz="1600" b="1">
+              <a:solidFill>
+                <a:schemeClr val="lt1"/>
+              </a:solidFill>
+            </a:endParaRPr>
+          </a:p>
+        </p:txBody>
+      </p:sp>
+      <p:cxnSp>
+        <p:nvCxnSpPr>
+          <p:cNvPr id="221" name="Straight Arrow Connector 220"/>
+          <p:cNvCxnSpPr/>
+          <p:nvPr/>
+        </p:nvCxnSpPr>
+        <p:spPr>
+          <a:xfrm>
+            <a:off x="6708826" y="3867309"/>
+            <a:ext cx="5182343" cy="0"/>
+          </a:xfrm>
+          <a:prstGeom prst="straightConnector1">
+            <a:avLst/>
+          </a:prstGeom>
+          <a:ln w="38100">
+            <a:solidFill>
+              <a:schemeClr val="bg1">
+                <a:lumMod val="50000"/>
+              </a:schemeClr>
+            </a:solidFill>
+            <a:prstDash val="sysDot"/>
+            <a:headEnd type="arrow" w="med" len="med"/>
+            <a:tailEnd type="none" w="med" len="med"/>
+          </a:ln>
+        </p:spPr>
+        <p:style>
+          <a:lnRef idx="1">
+            <a:schemeClr val="accent1"/>
+          </a:lnRef>
+          <a:fillRef idx="0">
+            <a:schemeClr val="accent1"/>
+          </a:fillRef>
+          <a:effectRef idx="0">
+            <a:schemeClr val="accent1"/>
+          </a:effectRef>
+          <a:fontRef idx="minor">
+            <a:schemeClr val="tx1"/>
+          </a:fontRef>
+        </p:style>
+      </p:cxnSp>
+      <p:sp>
+        <p:nvSpPr>
+          <p:cNvPr id="228" name="Rectangle 227"/>
+          <p:cNvSpPr/>
+          <p:nvPr/>
+        </p:nvSpPr>
+        <p:spPr>
+          <a:xfrm>
+            <a:off x="6576816" y="2551939"/>
+            <a:ext cx="132009" cy="3521042"/>
+          </a:xfrm>
+          <a:prstGeom prst="rect">
+            <a:avLst/>
+          </a:prstGeom>
+          <a:solidFill>
+            <a:schemeClr val="accent2">
+              <a:lumMod val="40000"/>
+              <a:lumOff val="60000"/>
+            </a:schemeClr>
+          </a:solidFill>
+          <a:ln>
+            <a:solidFill>
+              <a:srgbClr val="C00000"/>
+            </a:solidFill>
+          </a:ln>
+        </p:spPr>
+        <p:style>
+          <a:lnRef idx="2">
+            <a:schemeClr val="accent6"/>
+          </a:lnRef>
+          <a:fillRef idx="1">
+            <a:schemeClr val="lt1"/>
+          </a:fillRef>
+          <a:effectRef idx="0">
+            <a:schemeClr val="accent6"/>
+          </a:effectRef>
+          <a:fontRef idx="minor">
+            <a:schemeClr val="dk1"/>
+          </a:fontRef>
+        </p:style>
+        <p:txBody>
+          <a:bodyPr rtlCol="0" anchor="ctr"/>
+          <a:lstStyle/>
+          <a:p>
+            <a:pPr algn="ctr"/>
+            <a:endParaRPr lang="en-SG"/>
+          </a:p>
+        </p:txBody>
+      </p:sp>
+      <p:sp>
+        <p:nvSpPr>
+          <p:cNvPr id="229" name="TextBox 228"/>
+          <p:cNvSpPr txBox="1"/>
+          <p:nvPr/>
+        </p:nvSpPr>
+        <p:spPr>
+          <a:xfrm>
+            <a:off x="2227262" y="1091350"/>
+            <a:ext cx="730837" cy="338554"/>
+          </a:xfrm>
+          <a:prstGeom prst="rect">
+            <a:avLst/>
+          </a:prstGeom>
+          <a:noFill/>
+        </p:spPr>
+        <p:txBody>
+          <a:bodyPr wrap="square" rtlCol="0">
+            <a:spAutoFit/>
+          </a:bodyPr>
+          <a:lstStyle>
+            <a:defPPr>
+              <a:defRPr lang="en-US"/>
+            </a:defPPr>
+            <a:lvl1pPr>
+              <a:defRPr sz="1600" b="1">
+                <a:solidFill>
+                  <a:srgbClr val="0070C0"/>
+                </a:solidFill>
+              </a:defRPr>
+            </a:lvl1pPr>
+          </a:lstStyle>
+          <a:p>
+            <a:r>
+              <a:rPr lang="en-US" dirty="0">
+                <a:solidFill>
+                  <a:schemeClr val="bg1">
+                    <a:lumMod val="50000"/>
+                  </a:schemeClr>
+                </a:solidFill>
+              </a:rPr>
+              <a:t>apply</a:t>
+            </a:r>
+            <a:endParaRPr lang="en-SG" dirty="0">
+              <a:solidFill>
+                <a:schemeClr val="bg1">
+                  <a:lumMod val="50000"/>
+                </a:schemeClr>
+              </a:solidFill>
+            </a:endParaRPr>
+          </a:p>
+        </p:txBody>
+      </p:sp>
+      <p:sp>
+        <p:nvSpPr>
+          <p:cNvPr id="230" name="TextBox 229"/>
+          <p:cNvSpPr txBox="1"/>
+          <p:nvPr/>
+        </p:nvSpPr>
+        <p:spPr>
+          <a:xfrm>
+            <a:off x="6988004" y="3246507"/>
+            <a:ext cx="3149822" cy="338554"/>
+          </a:xfrm>
+          <a:prstGeom prst="rect">
+            <a:avLst/>
+          </a:prstGeom>
+          <a:noFill/>
+        </p:spPr>
+        <p:txBody>
+          <a:bodyPr wrap="square" rtlCol="0">
+            <a:spAutoFit/>
+          </a:bodyPr>
+          <a:lstStyle>
+            <a:defPPr>
+              <a:defRPr lang="en-US"/>
+            </a:defPPr>
+            <a:lvl1pPr>
+              <a:defRPr sz="1600" b="1">
+                <a:solidFill>
+                  <a:schemeClr val="accent2">
+                    <a:lumMod val="75000"/>
+                  </a:schemeClr>
+                </a:solidFill>
+              </a:defRPr>
+            </a:lvl1pPr>
+          </a:lstStyle>
+          <a:p>
+            <a:r>
+              <a:rPr lang="en-US" dirty="0"/>
+              <a:t>perform action/ get data</a:t>
+            </a:r>
+            <a:endParaRPr lang="en-SG" dirty="0"/>
+          </a:p>
+        </p:txBody>
+      </p:sp>
+      <p:sp>
+        <p:nvSpPr>
+          <p:cNvPr id="237" name="TextBox 236"/>
+          <p:cNvSpPr txBox="1"/>
+          <p:nvPr/>
+        </p:nvSpPr>
+        <p:spPr>
+          <a:xfrm>
+            <a:off x="2636073" y="1889919"/>
+            <a:ext cx="903588" cy="338554"/>
+          </a:xfrm>
+          <a:prstGeom prst="rect">
+            <a:avLst/>
+          </a:prstGeom>
+          <a:noFill/>
+        </p:spPr>
+        <p:txBody>
+          <a:bodyPr wrap="square" rtlCol="0">
+            <a:spAutoFit/>
+          </a:bodyPr>
+          <a:lstStyle>
+            <a:defPPr>
+              <a:defRPr lang="en-US"/>
+            </a:defPPr>
+            <a:lvl1pPr>
+              <a:defRPr sz="1600" b="1">
+                <a:solidFill>
+                  <a:schemeClr val="bg1">
+                    <a:lumMod val="50000"/>
+                  </a:schemeClr>
+                </a:solidFill>
+              </a:defRPr>
+            </a:lvl1pPr>
+          </a:lstStyle>
+          <a:p>
+            <a:r>
+              <a:rPr lang="en-US" dirty="0"/>
+              <a:t>forward</a:t>
+            </a:r>
+            <a:endParaRPr lang="en-SG" dirty="0"/>
+          </a:p>
+        </p:txBody>
+      </p:sp>
+      <p:cxnSp>
+        <p:nvCxnSpPr>
+          <p:cNvPr id="240" name="Straight Connector 239"/>
+          <p:cNvCxnSpPr/>
+          <p:nvPr/>
+        </p:nvCxnSpPr>
+        <p:spPr>
+          <a:xfrm>
+            <a:off x="4181475" y="801841"/>
+            <a:ext cx="0" cy="6318957"/>
+          </a:xfrm>
+          <a:prstGeom prst="line">
+            <a:avLst/>
+          </a:prstGeom>
+          <a:ln w="28575">
+            <a:solidFill>
+              <a:schemeClr val="tx2">
+                <a:lumMod val="75000"/>
+              </a:schemeClr>
+            </a:solidFill>
+            <a:prstDash val="sysDash"/>
+          </a:ln>
+        </p:spPr>
+        <p:style>
+          <a:lnRef idx="1">
+            <a:schemeClr val="accent1"/>
+          </a:lnRef>
+          <a:fillRef idx="0">
+            <a:schemeClr val="accent1"/>
+          </a:fillRef>
+          <a:effectRef idx="0">
+            <a:schemeClr val="accent1"/>
+          </a:effectRef>
+          <a:fontRef idx="minor">
+            <a:schemeClr val="tx1"/>
+          </a:fontRef>
+        </p:style>
+      </p:cxnSp>
+      <p:sp>
+        <p:nvSpPr>
+          <p:cNvPr id="242" name="Rectangle 241"/>
+          <p:cNvSpPr/>
+          <p:nvPr/>
+        </p:nvSpPr>
+        <p:spPr>
+          <a:xfrm>
+            <a:off x="4830763" y="373534"/>
+            <a:ext cx="874712" cy="390708"/>
+          </a:xfrm>
+          <a:prstGeom prst="rect">
+            <a:avLst/>
+          </a:prstGeom>
+        </p:spPr>
+        <p:style>
+          <a:lnRef idx="2">
+            <a:schemeClr val="accent2">
+              <a:shade val="50000"/>
+            </a:schemeClr>
+          </a:lnRef>
+          <a:fillRef idx="1">
+            <a:schemeClr val="accent2"/>
+          </a:fillRef>
+          <a:effectRef idx="0">
+            <a:schemeClr val="accent2"/>
+          </a:effectRef>
+          <a:fontRef idx="minor">
+            <a:schemeClr val="lt1"/>
+          </a:fontRef>
+        </p:style>
+        <p:txBody>
+          <a:bodyPr rtlCol="0" anchor="ctr"/>
+          <a:lstStyle/>
+          <a:p>
+            <a:pPr algn="ctr"/>
+            <a:r>
+              <a:rPr lang="en-US" sz="1400" b="1" dirty="0"/>
+              <a:t>:Action</a:t>
+            </a:r>
+            <a:br>
+              <a:rPr lang="en-US" sz="1400" b="1" dirty="0"/>
+            </a:br>
+            <a:r>
+              <a:rPr lang="en-US" sz="1400" b="1" dirty="0"/>
+              <a:t>Factory</a:t>
+            </a:r>
+            <a:endParaRPr lang="en-SG" sz="1400" b="1" dirty="0"/>
+          </a:p>
+        </p:txBody>
+      </p:sp>
+      <p:cxnSp>
+        <p:nvCxnSpPr>
+          <p:cNvPr id="243" name="Straight Connector 242"/>
+          <p:cNvCxnSpPr>
+            <a:endCxn id="251" idx="2"/>
+          </p:cNvCxnSpPr>
+          <p:nvPr/>
+        </p:nvCxnSpPr>
+        <p:spPr>
+          <a:xfrm>
+            <a:off x="5387694" y="764242"/>
+            <a:ext cx="0" cy="1629704"/>
+          </a:xfrm>
+          <a:prstGeom prst="line">
+            <a:avLst/>
+          </a:prstGeom>
+          <a:ln w="28575">
+            <a:solidFill>
+              <a:srgbClr val="C00000"/>
+            </a:solidFill>
+            <a:prstDash val="sysDash"/>
+          </a:ln>
+        </p:spPr>
+        <p:style>
+          <a:lnRef idx="1">
+            <a:schemeClr val="accent1"/>
+          </a:lnRef>
+          <a:fillRef idx="0">
+            <a:schemeClr val="accent1"/>
+          </a:fillRef>
+          <a:effectRef idx="0">
+            <a:schemeClr val="accent1"/>
+          </a:effectRef>
+          <a:fontRef idx="minor">
+            <a:schemeClr val="tx1"/>
+          </a:fontRef>
+        </p:style>
+      </p:cxnSp>
+      <p:sp>
+        <p:nvSpPr>
+          <p:cNvPr id="244" name="Rectangle 243"/>
+          <p:cNvSpPr/>
+          <p:nvPr/>
+        </p:nvSpPr>
+        <p:spPr>
+          <a:xfrm>
+            <a:off x="6309517" y="2046835"/>
+            <a:ext cx="1166442" cy="304830"/>
+          </a:xfrm>
+          <a:prstGeom prst="rect">
+            <a:avLst/>
+          </a:prstGeom>
+        </p:spPr>
+        <p:style>
+          <a:lnRef idx="2">
+            <a:schemeClr val="accent2">
+              <a:shade val="50000"/>
+            </a:schemeClr>
+          </a:lnRef>
+          <a:fillRef idx="1">
+            <a:schemeClr val="accent2"/>
+          </a:fillRef>
+          <a:effectRef idx="0">
+            <a:schemeClr val="accent2"/>
+          </a:effectRef>
+          <a:fontRef idx="minor">
+            <a:schemeClr val="lt1"/>
+          </a:fontRef>
+        </p:style>
+        <p:txBody>
+          <a:bodyPr rtlCol="0" anchor="ctr"/>
+          <a:lstStyle/>
+          <a:p>
+            <a:pPr algn="ctr"/>
+            <a:r>
+              <a:rPr lang="en-US" sz="1400" b="1" dirty="0" smtClean="0"/>
+              <a:t>:_</a:t>
+            </a:r>
+            <a:r>
+              <a:rPr lang="en-US" sz="1400" b="1" dirty="0" err="1" smtClean="0"/>
+              <a:t>abc_Action</a:t>
+            </a:r>
+            <a:endParaRPr lang="en-SG" sz="1400" b="1" dirty="0"/>
+          </a:p>
+        </p:txBody>
+      </p:sp>
+      <p:cxnSp>
+        <p:nvCxnSpPr>
+          <p:cNvPr id="245" name="Straight Arrow Connector 244"/>
+          <p:cNvCxnSpPr>
+            <a:endCxn id="244" idx="1"/>
+          </p:cNvCxnSpPr>
+          <p:nvPr/>
+        </p:nvCxnSpPr>
+        <p:spPr>
+          <a:xfrm>
+            <a:off x="5490369" y="2199250"/>
+            <a:ext cx="819148" cy="0"/>
+          </a:xfrm>
+          <a:prstGeom prst="straightConnector1">
+            <a:avLst/>
+          </a:prstGeom>
+          <a:ln w="38100">
+            <a:solidFill>
+              <a:srgbClr val="C00000"/>
+            </a:solidFill>
+            <a:prstDash val="solid"/>
+            <a:tailEnd type="arrow"/>
+          </a:ln>
+        </p:spPr>
+        <p:style>
+          <a:lnRef idx="1">
+            <a:schemeClr val="accent1"/>
+          </a:lnRef>
+          <a:fillRef idx="0">
+            <a:schemeClr val="accent1"/>
+          </a:fillRef>
+          <a:effectRef idx="0">
+            <a:schemeClr val="accent1"/>
+          </a:effectRef>
+          <a:fontRef idx="minor">
+            <a:schemeClr val="tx1"/>
+          </a:fontRef>
+        </p:style>
+      </p:cxnSp>
+      <p:cxnSp>
+        <p:nvCxnSpPr>
+          <p:cNvPr id="246" name="Straight Arrow Connector 245"/>
+          <p:cNvCxnSpPr/>
+          <p:nvPr/>
+        </p:nvCxnSpPr>
+        <p:spPr>
+          <a:xfrm>
+            <a:off x="4237840" y="2150090"/>
+            <a:ext cx="1085042" cy="0"/>
+          </a:xfrm>
+          <a:prstGeom prst="straightConnector1">
+            <a:avLst/>
+          </a:prstGeom>
+          <a:ln w="38100">
+            <a:solidFill>
+              <a:schemeClr val="tx2"/>
+            </a:solidFill>
+            <a:prstDash val="solid"/>
+            <a:tailEnd type="arrow"/>
+          </a:ln>
+        </p:spPr>
+        <p:style>
+          <a:lnRef idx="1">
+            <a:schemeClr val="accent1"/>
+          </a:lnRef>
+          <a:fillRef idx="0">
+            <a:schemeClr val="accent1"/>
+          </a:fillRef>
+          <a:effectRef idx="0">
+            <a:schemeClr val="accent1"/>
+          </a:effectRef>
+          <a:fontRef idx="minor">
+            <a:schemeClr val="tx1"/>
+          </a:fontRef>
+        </p:style>
+      </p:cxnSp>
+      <p:cxnSp>
+        <p:nvCxnSpPr>
+          <p:cNvPr id="249" name="Straight Arrow Connector 248"/>
+          <p:cNvCxnSpPr/>
+          <p:nvPr/>
+        </p:nvCxnSpPr>
+        <p:spPr>
+          <a:xfrm>
+            <a:off x="4259796" y="2580354"/>
+            <a:ext cx="2317020" cy="0"/>
+          </a:xfrm>
+          <a:prstGeom prst="straightConnector1">
+            <a:avLst/>
+          </a:prstGeom>
+          <a:ln w="38100">
+            <a:solidFill>
+              <a:schemeClr val="tx2"/>
+            </a:solidFill>
+            <a:prstDash val="solid"/>
+            <a:tailEnd type="arrow"/>
+          </a:ln>
+        </p:spPr>
+        <p:style>
+          <a:lnRef idx="1">
+            <a:schemeClr val="accent1"/>
+          </a:lnRef>
+          <a:fillRef idx="0">
+            <a:schemeClr val="accent1"/>
+          </a:fillRef>
+          <a:effectRef idx="0">
+            <a:schemeClr val="accent1"/>
+          </a:effectRef>
+          <a:fontRef idx="minor">
+            <a:schemeClr val="tx1"/>
+          </a:fontRef>
+        </p:style>
+      </p:cxnSp>
+      <p:cxnSp>
+        <p:nvCxnSpPr>
+          <p:cNvPr id="250" name="Straight Arrow Connector 249"/>
+          <p:cNvCxnSpPr/>
+          <p:nvPr/>
+        </p:nvCxnSpPr>
+        <p:spPr>
+          <a:xfrm>
+            <a:off x="4259796" y="2393946"/>
+            <a:ext cx="1127898" cy="0"/>
+          </a:xfrm>
+          <a:prstGeom prst="straightConnector1">
+            <a:avLst/>
+          </a:prstGeom>
+          <a:ln w="38100">
+            <a:solidFill>
+              <a:srgbClr val="C00000"/>
+            </a:solidFill>
+            <a:prstDash val="sysDot"/>
+            <a:headEnd type="arrow" w="med" len="med"/>
+            <a:tailEnd type="none" w="med" len="med"/>
+          </a:ln>
+        </p:spPr>
+        <p:style>
+          <a:lnRef idx="1">
+            <a:schemeClr val="accent1"/>
+          </a:lnRef>
+          <a:fillRef idx="0">
+            <a:schemeClr val="accent1"/>
+          </a:fillRef>
+          <a:effectRef idx="0">
+            <a:schemeClr val="accent1"/>
+          </a:effectRef>
+          <a:fontRef idx="minor">
+            <a:schemeClr val="tx1"/>
+          </a:fontRef>
+        </p:style>
+      </p:cxnSp>
+      <p:sp>
+        <p:nvSpPr>
+          <p:cNvPr id="251" name="Rectangle 250"/>
+          <p:cNvSpPr/>
+          <p:nvPr/>
+        </p:nvSpPr>
+        <p:spPr>
+          <a:xfrm>
+            <a:off x="5322882" y="2127691"/>
+            <a:ext cx="129624" cy="266255"/>
+          </a:xfrm>
+          <a:prstGeom prst="rect">
+            <a:avLst/>
+          </a:prstGeom>
+          <a:solidFill>
+            <a:schemeClr val="accent2">
+              <a:lumMod val="40000"/>
+              <a:lumOff val="60000"/>
+            </a:schemeClr>
+          </a:solidFill>
+          <a:ln>
+            <a:solidFill>
+              <a:srgbClr val="C00000"/>
+            </a:solidFill>
+          </a:ln>
+        </p:spPr>
+        <p:style>
+          <a:lnRef idx="2">
+            <a:schemeClr val="accent6"/>
+          </a:lnRef>
+          <a:fillRef idx="1">
+            <a:schemeClr val="lt1"/>
+          </a:fillRef>
+          <a:effectRef idx="0">
+            <a:schemeClr val="accent6"/>
+          </a:effectRef>
+          <a:fontRef idx="minor">
+            <a:schemeClr val="dk1"/>
+          </a:fontRef>
+        </p:style>
+        <p:txBody>
+          <a:bodyPr rtlCol="0" anchor="ctr"/>
+          <a:lstStyle/>
+          <a:p>
+            <a:pPr algn="ctr"/>
+            <a:endParaRPr lang="en-SG"/>
+          </a:p>
+        </p:txBody>
+      </p:sp>
+      <p:sp>
+        <p:nvSpPr>
+          <p:cNvPr id="253" name="TextBox 252"/>
+          <p:cNvSpPr txBox="1"/>
+          <p:nvPr/>
+        </p:nvSpPr>
+        <p:spPr>
+          <a:xfrm>
+            <a:off x="4317150" y="1814096"/>
+            <a:ext cx="1135356" cy="338554"/>
+          </a:xfrm>
+          <a:prstGeom prst="rect">
+            <a:avLst/>
+          </a:prstGeom>
+          <a:noFill/>
+        </p:spPr>
+        <p:txBody>
+          <a:bodyPr wrap="square" rtlCol="0">
+            <a:spAutoFit/>
+          </a:bodyPr>
+          <a:lstStyle/>
+          <a:p>
+            <a:r>
+              <a:rPr lang="en-US" sz="1600" b="1" dirty="0" err="1" smtClean="0">
+                <a:solidFill>
+                  <a:srgbClr val="0070C0"/>
+                </a:solidFill>
+              </a:rPr>
+              <a:t>getAction</a:t>
+            </a:r>
+            <a:r>
+              <a:rPr lang="en-US" sz="1600" b="1" dirty="0" smtClean="0">
+                <a:solidFill>
+                  <a:srgbClr val="0070C0"/>
+                </a:solidFill>
+              </a:rPr>
+              <a:t>()</a:t>
+            </a:r>
+            <a:endParaRPr lang="en-SG" sz="1600" b="1" dirty="0">
+              <a:solidFill>
+                <a:srgbClr val="0070C0"/>
+              </a:solidFill>
+            </a:endParaRPr>
+          </a:p>
+        </p:txBody>
+      </p:sp>
+      <p:sp>
+        <p:nvSpPr>
+          <p:cNvPr id="254" name="TextBox 253"/>
+          <p:cNvSpPr txBox="1"/>
+          <p:nvPr/>
+        </p:nvSpPr>
+        <p:spPr>
+          <a:xfrm>
+            <a:off x="4317150" y="2569713"/>
+            <a:ext cx="1135356" cy="338554"/>
+          </a:xfrm>
+          <a:prstGeom prst="rect">
+            <a:avLst/>
+          </a:prstGeom>
+          <a:noFill/>
+        </p:spPr>
+        <p:txBody>
+          <a:bodyPr wrap="square" rtlCol="0">
+            <a:spAutoFit/>
+          </a:bodyPr>
+          <a:lstStyle/>
+          <a:p>
+            <a:r>
+              <a:rPr lang="en-US" sz="1600" b="1" dirty="0" smtClean="0">
+                <a:solidFill>
+                  <a:srgbClr val="0070C0"/>
+                </a:solidFill>
+              </a:rPr>
+              <a:t>execute()</a:t>
+            </a:r>
+            <a:endParaRPr lang="en-SG" sz="1600" b="1" dirty="0">
+              <a:solidFill>
+                <a:srgbClr val="0070C0"/>
+              </a:solidFill>
+            </a:endParaRPr>
+          </a:p>
+        </p:txBody>
+      </p:sp>
+      <p:sp>
+        <p:nvSpPr>
+          <p:cNvPr id="255" name="Arc 254"/>
+          <p:cNvSpPr/>
+          <p:nvPr/>
+        </p:nvSpPr>
+        <p:spPr>
+          <a:xfrm>
+            <a:off x="6567238" y="2652057"/>
+            <a:ext cx="457200" cy="307776"/>
+          </a:xfrm>
+          <a:prstGeom prst="arc">
+            <a:avLst>
+              <a:gd name="adj1" fmla="val 16200000"/>
+              <a:gd name="adj2" fmla="val 5721350"/>
+            </a:avLst>
+          </a:prstGeom>
+          <a:ln w="38100">
+            <a:solidFill>
+              <a:srgbClr val="C00000"/>
+            </a:solidFill>
+            <a:prstDash val="solid"/>
+            <a:tailEnd type="arrow"/>
+          </a:ln>
+        </p:spPr>
+        <p:style>
+          <a:lnRef idx="1">
+            <a:schemeClr val="accent1"/>
+          </a:lnRef>
+          <a:fillRef idx="0">
+            <a:schemeClr val="accent1"/>
+          </a:fillRef>
+          <a:effectRef idx="0">
+            <a:schemeClr val="accent1"/>
+          </a:effectRef>
+          <a:fontRef idx="minor">
+            <a:schemeClr val="tx1"/>
+          </a:fontRef>
+        </p:style>
+        <p:txBody>
+          <a:bodyPr rtlCol="0" anchor="ctr"/>
+          <a:lstStyle/>
+          <a:p>
+            <a:pPr algn="ctr"/>
+            <a:endParaRPr lang="en-SG"/>
+          </a:p>
+        </p:txBody>
+      </p:sp>
+      <p:sp>
+        <p:nvSpPr>
+          <p:cNvPr id="256" name="TextBox 255"/>
+          <p:cNvSpPr txBox="1"/>
+          <p:nvPr/>
+        </p:nvSpPr>
+        <p:spPr>
+          <a:xfrm>
+            <a:off x="7024437" y="2592404"/>
+            <a:ext cx="1764542" cy="584775"/>
+          </a:xfrm>
+          <a:prstGeom prst="rect">
+            <a:avLst/>
+          </a:prstGeom>
+          <a:noFill/>
+        </p:spPr>
+        <p:txBody>
+          <a:bodyPr wrap="square" rtlCol="0">
+            <a:spAutoFit/>
+          </a:bodyPr>
+          <a:lstStyle>
+            <a:defPPr>
+              <a:defRPr lang="en-US"/>
+            </a:defPPr>
+            <a:lvl1pPr>
+              <a:defRPr sz="1600" b="1">
+                <a:solidFill>
+                  <a:schemeClr val="accent2">
+                    <a:lumMod val="75000"/>
+                  </a:schemeClr>
+                </a:solidFill>
+              </a:defRPr>
+            </a:lvl1pPr>
+          </a:lstStyle>
+          <a:p>
+            <a:r>
+              <a:rPr lang="en-US" dirty="0"/>
+              <a:t>check access rights</a:t>
+            </a:r>
+            <a:endParaRPr lang="en-SG" dirty="0"/>
+          </a:p>
+        </p:txBody>
+      </p:sp>
+      <p:cxnSp>
+        <p:nvCxnSpPr>
+          <p:cNvPr id="260" name="Straight Arrow Connector 259"/>
+          <p:cNvCxnSpPr/>
+          <p:nvPr/>
+        </p:nvCxnSpPr>
+        <p:spPr>
+          <a:xfrm>
+            <a:off x="8495881" y="6639091"/>
+            <a:ext cx="841244" cy="0"/>
+          </a:xfrm>
+          <a:prstGeom prst="straightConnector1">
+            <a:avLst/>
+          </a:prstGeom>
+          <a:ln w="38100">
+            <a:solidFill>
+              <a:srgbClr val="C00000"/>
+            </a:solidFill>
+            <a:prstDash val="solid"/>
+            <a:tailEnd type="arrow"/>
+          </a:ln>
+        </p:spPr>
+        <p:style>
+          <a:lnRef idx="1">
+            <a:schemeClr val="accent1"/>
+          </a:lnRef>
+          <a:fillRef idx="0">
+            <a:schemeClr val="accent1"/>
+          </a:fillRef>
+          <a:effectRef idx="0">
+            <a:schemeClr val="accent1"/>
+          </a:effectRef>
+          <a:fontRef idx="minor">
+            <a:schemeClr val="tx1"/>
+          </a:fontRef>
+        </p:style>
+      </p:cxnSp>
+      <p:cxnSp>
+        <p:nvCxnSpPr>
+          <p:cNvPr id="261" name="Straight Arrow Connector 260"/>
+          <p:cNvCxnSpPr/>
+          <p:nvPr/>
+        </p:nvCxnSpPr>
+        <p:spPr>
+          <a:xfrm>
+            <a:off x="9408543" y="6715291"/>
+            <a:ext cx="1197236" cy="0"/>
+          </a:xfrm>
+          <a:prstGeom prst="straightConnector1">
+            <a:avLst/>
+          </a:prstGeom>
+          <a:ln w="38100">
+            <a:solidFill>
+              <a:srgbClr val="7030A0"/>
+            </a:solidFill>
+            <a:prstDash val="solid"/>
+            <a:tailEnd type="arrow"/>
+          </a:ln>
+        </p:spPr>
+        <p:style>
+          <a:lnRef idx="1">
+            <a:schemeClr val="accent1"/>
+          </a:lnRef>
+          <a:fillRef idx="0">
+            <a:schemeClr val="accent1"/>
+          </a:fillRef>
+          <a:effectRef idx="0">
+            <a:schemeClr val="accent1"/>
+          </a:effectRef>
+          <a:fontRef idx="minor">
+            <a:schemeClr val="tx1"/>
+          </a:fontRef>
+        </p:style>
+      </p:cxnSp>
+      <p:cxnSp>
+        <p:nvCxnSpPr>
+          <p:cNvPr id="262" name="Straight Arrow Connector 261"/>
+          <p:cNvCxnSpPr/>
+          <p:nvPr/>
+        </p:nvCxnSpPr>
+        <p:spPr>
+          <a:xfrm>
+            <a:off x="9479961" y="7096291"/>
+            <a:ext cx="1197237" cy="0"/>
+          </a:xfrm>
+          <a:prstGeom prst="straightConnector1">
+            <a:avLst/>
+          </a:prstGeom>
+          <a:ln w="38100">
+            <a:solidFill>
+              <a:srgbClr val="00B050"/>
+            </a:solidFill>
+            <a:prstDash val="sysDot"/>
+            <a:headEnd type="arrow" w="med" len="med"/>
+            <a:tailEnd type="none" w="med" len="med"/>
+          </a:ln>
+        </p:spPr>
+        <p:style>
+          <a:lnRef idx="1">
+            <a:schemeClr val="accent1"/>
+          </a:lnRef>
+          <a:fillRef idx="0">
+            <a:schemeClr val="accent1"/>
+          </a:fillRef>
+          <a:effectRef idx="0">
+            <a:schemeClr val="accent1"/>
+          </a:effectRef>
+          <a:fontRef idx="minor">
+            <a:schemeClr val="tx1"/>
+          </a:fontRef>
+        </p:style>
+      </p:cxnSp>
+      <p:sp>
+        <p:nvSpPr>
+          <p:cNvPr id="263" name="Rectangle 262"/>
+          <p:cNvSpPr/>
+          <p:nvPr/>
+        </p:nvSpPr>
+        <p:spPr>
+          <a:xfrm>
+            <a:off x="9337125" y="6639091"/>
+            <a:ext cx="142836" cy="1219200"/>
+          </a:xfrm>
+          <a:prstGeom prst="rect">
+            <a:avLst/>
+          </a:prstGeom>
+          <a:solidFill>
+            <a:schemeClr val="accent4">
+              <a:lumMod val="40000"/>
+              <a:lumOff val="60000"/>
+            </a:schemeClr>
+          </a:solidFill>
+          <a:ln>
+            <a:solidFill>
+              <a:srgbClr val="7030A0"/>
+            </a:solidFill>
+          </a:ln>
+        </p:spPr>
+        <p:style>
+          <a:lnRef idx="2">
+            <a:schemeClr val="accent6"/>
+          </a:lnRef>
+          <a:fillRef idx="1">
+            <a:schemeClr val="lt1"/>
+          </a:fillRef>
+          <a:effectRef idx="0">
+            <a:schemeClr val="accent6"/>
+          </a:effectRef>
+          <a:fontRef idx="minor">
+            <a:schemeClr val="dk1"/>
+          </a:fontRef>
+        </p:style>
+        <p:txBody>
+          <a:bodyPr rtlCol="0" anchor="ctr"/>
+          <a:lstStyle/>
+          <a:p>
+            <a:pPr algn="ctr"/>
+            <a:endParaRPr lang="en-SG"/>
+          </a:p>
+        </p:txBody>
+      </p:sp>
+      <p:sp>
+        <p:nvSpPr>
+          <p:cNvPr id="264" name="Rectangle 263"/>
+          <p:cNvSpPr/>
+          <p:nvPr/>
+        </p:nvSpPr>
+        <p:spPr>
+          <a:xfrm>
+            <a:off x="10605779" y="6715292"/>
+            <a:ext cx="142836" cy="381000"/>
+          </a:xfrm>
+          <a:prstGeom prst="rect">
+            <a:avLst/>
+          </a:prstGeom>
+          <a:solidFill>
+            <a:schemeClr val="accent3">
+              <a:lumMod val="40000"/>
+              <a:lumOff val="60000"/>
+            </a:schemeClr>
+          </a:solidFill>
+          <a:ln>
+            <a:solidFill>
+              <a:srgbClr val="00B050"/>
+            </a:solidFill>
+          </a:ln>
+        </p:spPr>
+        <p:style>
+          <a:lnRef idx="2">
+            <a:schemeClr val="accent6"/>
+          </a:lnRef>
+          <a:fillRef idx="1">
+            <a:schemeClr val="lt1"/>
+          </a:fillRef>
+          <a:effectRef idx="0">
+            <a:schemeClr val="accent6"/>
+          </a:effectRef>
+          <a:fontRef idx="minor">
+            <a:schemeClr val="dk1"/>
+          </a:fontRef>
+        </p:style>
+        <p:txBody>
+          <a:bodyPr rtlCol="0" anchor="ctr"/>
+          <a:lstStyle/>
+          <a:p>
+            <a:pPr algn="ctr"/>
+            <a:endParaRPr lang="en-SG"/>
+          </a:p>
+        </p:txBody>
+      </p:sp>
+      <p:cxnSp>
+        <p:nvCxnSpPr>
+          <p:cNvPr id="265" name="Straight Arrow Connector 264"/>
+          <p:cNvCxnSpPr/>
+          <p:nvPr/>
+        </p:nvCxnSpPr>
+        <p:spPr>
+          <a:xfrm flipV="1">
+            <a:off x="6734079" y="4982388"/>
+            <a:ext cx="3848491" cy="2"/>
+          </a:xfrm>
+          <a:prstGeom prst="straightConnector1">
+            <a:avLst/>
+          </a:prstGeom>
+          <a:ln w="38100">
+            <a:solidFill>
+              <a:srgbClr val="C00000"/>
+            </a:solidFill>
+            <a:prstDash val="solid"/>
+            <a:tailEnd type="arrow"/>
+          </a:ln>
+        </p:spPr>
+        <p:style>
+          <a:lnRef idx="1">
+            <a:schemeClr val="accent1"/>
+          </a:lnRef>
+          <a:fillRef idx="0">
+            <a:schemeClr val="accent1"/>
+          </a:fillRef>
+          <a:effectRef idx="0">
+            <a:schemeClr val="accent1"/>
+          </a:effectRef>
+          <a:fontRef idx="minor">
+            <a:schemeClr val="tx1"/>
+          </a:fontRef>
+        </p:style>
+      </p:cxnSp>
+      <p:cxnSp>
+        <p:nvCxnSpPr>
+          <p:cNvPr id="267" name="Straight Arrow Connector 266"/>
+          <p:cNvCxnSpPr/>
+          <p:nvPr/>
+        </p:nvCxnSpPr>
+        <p:spPr>
+          <a:xfrm>
+            <a:off x="6782133" y="5158581"/>
+            <a:ext cx="3714480" cy="0"/>
+          </a:xfrm>
+          <a:prstGeom prst="straightConnector1">
+            <a:avLst/>
+          </a:prstGeom>
+          <a:ln w="38100">
+            <a:solidFill>
+              <a:srgbClr val="00B050"/>
+            </a:solidFill>
+            <a:prstDash val="sysDot"/>
+            <a:headEnd type="arrow" w="med" len="med"/>
+            <a:tailEnd type="none" w="med" len="med"/>
+          </a:ln>
+        </p:spPr>
+        <p:style>
+          <a:lnRef idx="1">
+            <a:schemeClr val="accent1"/>
+          </a:lnRef>
+          <a:fillRef idx="0">
+            <a:schemeClr val="accent1"/>
+          </a:fillRef>
+          <a:effectRef idx="0">
+            <a:schemeClr val="accent1"/>
+          </a:effectRef>
+          <a:fontRef idx="minor">
+            <a:schemeClr val="tx1"/>
+          </a:fontRef>
+        </p:style>
+      </p:cxnSp>
+      <p:sp>
+        <p:nvSpPr>
+          <p:cNvPr id="268" name="TextBox 267"/>
+          <p:cNvSpPr txBox="1"/>
+          <p:nvPr/>
+        </p:nvSpPr>
+        <p:spPr>
+          <a:xfrm>
+            <a:off x="8495881" y="6328135"/>
+            <a:ext cx="932947" cy="338554"/>
+          </a:xfrm>
+          <a:prstGeom prst="rect">
+            <a:avLst/>
+          </a:prstGeom>
+          <a:noFill/>
+        </p:spPr>
+        <p:txBody>
+          <a:bodyPr wrap="square" rtlCol="0">
+            <a:spAutoFit/>
+          </a:bodyPr>
+          <a:lstStyle>
+            <a:defPPr>
+              <a:defRPr lang="en-US"/>
+            </a:defPPr>
+            <a:lvl1pPr>
+              <a:defRPr sz="1600" b="1">
+                <a:solidFill>
+                  <a:schemeClr val="accent2">
+                    <a:lumMod val="75000"/>
+                  </a:schemeClr>
+                </a:solidFill>
+              </a:defRPr>
+            </a:lvl1pPr>
+          </a:lstStyle>
+          <a:p>
+            <a:r>
+              <a:rPr lang="en-US" dirty="0"/>
+              <a:t>forward</a:t>
+            </a:r>
+            <a:endParaRPr lang="en-SG" dirty="0"/>
+          </a:p>
+        </p:txBody>
+      </p:sp>
+      <p:sp>
+        <p:nvSpPr>
+          <p:cNvPr id="269" name="TextBox 268"/>
+          <p:cNvSpPr txBox="1"/>
+          <p:nvPr/>
+        </p:nvSpPr>
+        <p:spPr>
+          <a:xfrm>
+            <a:off x="7061311" y="4643419"/>
+            <a:ext cx="2320544" cy="338554"/>
+          </a:xfrm>
+          <a:prstGeom prst="rect">
+            <a:avLst/>
+          </a:prstGeom>
+          <a:noFill/>
+        </p:spPr>
+        <p:txBody>
+          <a:bodyPr wrap="square" rtlCol="0">
+            <a:spAutoFit/>
+          </a:bodyPr>
+          <a:lstStyle/>
+          <a:p>
+            <a:r>
+              <a:rPr lang="en-US" sz="1600" b="1" dirty="0" smtClean="0">
+                <a:solidFill>
+                  <a:schemeClr val="accent2">
+                    <a:lumMod val="75000"/>
+                  </a:schemeClr>
+                </a:solidFill>
+              </a:rPr>
+              <a:t>populate </a:t>
+            </a:r>
+            <a:r>
+              <a:rPr lang="en-US" sz="1600" b="1" dirty="0" smtClean="0">
+                <a:solidFill>
+                  <a:schemeClr val="accent2">
+                    <a:lumMod val="75000"/>
+                  </a:schemeClr>
+                </a:solidFill>
+              </a:rPr>
+              <a:t>with data</a:t>
+            </a:r>
+            <a:endParaRPr lang="en-SG" sz="1600" b="1" dirty="0">
+              <a:solidFill>
+                <a:schemeClr val="accent2">
+                  <a:lumMod val="75000"/>
+                </a:schemeClr>
+              </a:solidFill>
+            </a:endParaRPr>
+          </a:p>
+        </p:txBody>
+      </p:sp>
+      <p:sp>
+        <p:nvSpPr>
+          <p:cNvPr id="270" name="TextBox 269"/>
+          <p:cNvSpPr txBox="1"/>
+          <p:nvPr/>
+        </p:nvSpPr>
+        <p:spPr>
+          <a:xfrm>
+            <a:off x="9603408" y="6410491"/>
+            <a:ext cx="1002372" cy="584775"/>
+          </a:xfrm>
+          <a:prstGeom prst="rect">
+            <a:avLst/>
+          </a:prstGeom>
+          <a:noFill/>
+        </p:spPr>
+        <p:txBody>
+          <a:bodyPr wrap="square" rtlCol="0">
+            <a:spAutoFit/>
+          </a:bodyPr>
+          <a:lstStyle/>
+          <a:p>
+            <a:r>
+              <a:rPr lang="en-US" sz="1600" b="1" dirty="0" smtClean="0">
+                <a:solidFill>
+                  <a:srgbClr val="7030A0"/>
+                </a:solidFill>
+              </a:rPr>
+              <a:t>retrieve data</a:t>
+            </a:r>
+            <a:endParaRPr lang="en-SG" sz="1600" b="1" dirty="0">
+              <a:solidFill>
+                <a:srgbClr val="7030A0"/>
+              </a:solidFill>
+            </a:endParaRPr>
+          </a:p>
+        </p:txBody>
+      </p:sp>
+      <p:sp>
+        <p:nvSpPr>
+          <p:cNvPr id="271" name="TextBox 270"/>
+          <p:cNvSpPr txBox="1"/>
+          <p:nvPr/>
+        </p:nvSpPr>
+        <p:spPr>
+          <a:xfrm>
+            <a:off x="9755808" y="7298264"/>
+            <a:ext cx="1002372" cy="584775"/>
+          </a:xfrm>
+          <a:prstGeom prst="rect">
+            <a:avLst/>
+          </a:prstGeom>
+          <a:noFill/>
+        </p:spPr>
+        <p:txBody>
+          <a:bodyPr wrap="square" rtlCol="0">
+            <a:spAutoFit/>
+          </a:bodyPr>
+          <a:lstStyle>
+            <a:defPPr>
+              <a:defRPr lang="en-US"/>
+            </a:defPPr>
+            <a:lvl1pPr>
+              <a:defRPr sz="1600" b="1">
+                <a:solidFill>
+                  <a:srgbClr val="7030A0"/>
+                </a:solidFill>
+              </a:defRPr>
+            </a:lvl1pPr>
+          </a:lstStyle>
+          <a:p>
+            <a:r>
+              <a:rPr lang="en-US" dirty="0"/>
+              <a:t>generate page</a:t>
+            </a:r>
+            <a:endParaRPr lang="en-SG" dirty="0"/>
+          </a:p>
+        </p:txBody>
+      </p:sp>
+      <p:sp>
+        <p:nvSpPr>
+          <p:cNvPr id="272" name="Arc 271"/>
+          <p:cNvSpPr/>
+          <p:nvPr/>
+        </p:nvSpPr>
+        <p:spPr>
+          <a:xfrm>
+            <a:off x="9298608" y="7298264"/>
+            <a:ext cx="457200" cy="307776"/>
+          </a:xfrm>
+          <a:prstGeom prst="arc">
+            <a:avLst>
+              <a:gd name="adj1" fmla="val 16200000"/>
+              <a:gd name="adj2" fmla="val 5721350"/>
+            </a:avLst>
+          </a:prstGeom>
+          <a:ln w="38100">
+            <a:solidFill>
+              <a:srgbClr val="7030A0"/>
+            </a:solidFill>
+            <a:headEnd type="none" w="med" len="med"/>
+            <a:tailEnd type="arrow" w="med" len="med"/>
+          </a:ln>
+        </p:spPr>
+        <p:style>
+          <a:lnRef idx="1">
+            <a:schemeClr val="accent1"/>
+          </a:lnRef>
+          <a:fillRef idx="0">
+            <a:schemeClr val="accent1"/>
+          </a:fillRef>
+          <a:effectRef idx="0">
+            <a:schemeClr val="accent1"/>
+          </a:effectRef>
+          <a:fontRef idx="minor">
+            <a:schemeClr val="tx1"/>
+          </a:fontRef>
+        </p:style>
+        <p:txBody>
+          <a:bodyPr rtlCol="0" anchor="ctr"/>
+          <a:lstStyle/>
+          <a:p>
+            <a:pPr algn="ctr"/>
+            <a:endParaRPr lang="en-SG"/>
+          </a:p>
+        </p:txBody>
+      </p:sp>
+      <p:sp>
+        <p:nvSpPr>
+          <p:cNvPr id="274" name="Rectangle 273"/>
+          <p:cNvSpPr/>
+          <p:nvPr/>
+        </p:nvSpPr>
+        <p:spPr>
+          <a:xfrm>
+            <a:off x="9922719" y="4039205"/>
+            <a:ext cx="1511250" cy="409951"/>
           </a:xfrm>
           <a:prstGeom prst="rect">
             <a:avLst/>
@@ -4131,466 +5977,42 @@
           <a:p>
             <a:pPr algn="ctr"/>
             <a:r>
-              <a:rPr lang="en-US" sz="1600" b="1" dirty="0" smtClean="0"/>
+              <a:rPr lang="en-US" sz="1400" b="1" dirty="0" smtClean="0"/>
               <a:t>:_</a:t>
             </a:r>
             <a:r>
-              <a:rPr lang="en-US" sz="1600" b="1" dirty="0" err="1" smtClean="0"/>
-              <a:t>xyz_Helper</a:t>
-            </a:r>
-            <a:endParaRPr lang="en-SG" sz="1600" b="1" dirty="0"/>
-          </a:p>
-        </p:txBody>
-      </p:sp>
-      <p:sp>
-        <p:nvSpPr>
-          <p:cNvPr id="233" name="Rectangle 232"/>
+              <a:rPr lang="en-US" sz="1400" b="1" dirty="0" err="1" smtClean="0"/>
+              <a:t>xyz_PageData</a:t>
+            </a:r>
+            <a:endParaRPr lang="en-SG" sz="1400" b="1" dirty="0"/>
+          </a:p>
+        </p:txBody>
+      </p:sp>
+      <p:sp>
+        <p:nvSpPr>
+          <p:cNvPr id="276" name="Rectangle 275"/>
           <p:cNvSpPr/>
           <p:nvPr/>
         </p:nvSpPr>
         <p:spPr>
           <a:xfrm>
-            <a:off x="3634581" y="381360"/>
-            <a:ext cx="1366831" cy="390708"/>
+            <a:off x="8341394" y="5811604"/>
+            <a:ext cx="142836" cy="169881"/>
           </a:xfrm>
           <a:prstGeom prst="rect">
             <a:avLst/>
           </a:prstGeom>
-        </p:spPr>
-        <p:style>
-          <a:lnRef idx="2">
-            <a:schemeClr val="accent2">
-              <a:shade val="50000"/>
-            </a:schemeClr>
-          </a:lnRef>
-          <a:fillRef idx="1">
-            <a:schemeClr val="accent2"/>
-          </a:fillRef>
-          <a:effectRef idx="0">
-            <a:schemeClr val="accent2"/>
-          </a:effectRef>
-          <a:fontRef idx="minor">
-            <a:schemeClr val="lt1"/>
-          </a:fontRef>
-        </p:style>
-        <p:txBody>
-          <a:bodyPr rtlCol="0" anchor="ctr"/>
-          <a:lstStyle/>
-          <a:p>
-            <a:pPr algn="ctr"/>
-            <a:r>
-              <a:rPr lang="en-US" sz="1600" b="1" dirty="0" smtClean="0"/>
-              <a:t>:_</a:t>
-            </a:r>
-            <a:r>
-              <a:rPr lang="en-US" sz="1600" b="1" dirty="0" err="1" smtClean="0"/>
-              <a:t>xyz_Servlet</a:t>
-            </a:r>
-            <a:endParaRPr lang="en-SG" sz="1600" b="1" dirty="0"/>
-          </a:p>
-        </p:txBody>
-      </p:sp>
-      <p:sp>
-        <p:nvSpPr>
-          <p:cNvPr id="60" name="Rectangle 59"/>
-          <p:cNvSpPr/>
-          <p:nvPr/>
-        </p:nvSpPr>
-        <p:spPr>
-          <a:xfrm>
-            <a:off x="2643981" y="362117"/>
-            <a:ext cx="828994" cy="409951"/>
-          </a:xfrm>
-          <a:prstGeom prst="rect">
-            <a:avLst/>
-          </a:prstGeom>
-        </p:spPr>
-        <p:style>
-          <a:lnRef idx="2">
-            <a:schemeClr val="accent6">
-              <a:shade val="50000"/>
-            </a:schemeClr>
-          </a:lnRef>
-          <a:fillRef idx="1">
-            <a:schemeClr val="accent6"/>
-          </a:fillRef>
-          <a:effectRef idx="0">
-            <a:schemeClr val="accent6"/>
-          </a:effectRef>
-          <a:fontRef idx="minor">
-            <a:schemeClr val="lt1"/>
-          </a:fontRef>
-        </p:style>
-        <p:txBody>
-          <a:bodyPr rtlCol="0" anchor="ctr"/>
-          <a:lstStyle/>
-          <a:p>
-            <a:pPr algn="ctr"/>
-            <a:r>
-              <a:rPr lang="en-US" sz="1600" b="1" dirty="0" smtClean="0"/>
-              <a:t>:*Filter</a:t>
-            </a:r>
-            <a:endParaRPr lang="en-SG" sz="1600" b="1" dirty="0"/>
-          </a:p>
-        </p:txBody>
-      </p:sp>
-      <p:cxnSp>
-        <p:nvCxnSpPr>
-          <p:cNvPr id="10" name="Straight Arrow Connector 9"/>
-          <p:cNvCxnSpPr/>
-          <p:nvPr/>
-        </p:nvCxnSpPr>
-        <p:spPr>
-          <a:xfrm>
-            <a:off x="680022" y="1280319"/>
-            <a:ext cx="1247766" cy="0"/>
-          </a:xfrm>
-          <a:prstGeom prst="straightConnector1">
-            <a:avLst/>
-          </a:prstGeom>
-          <a:ln w="38100">
-            <a:solidFill>
-              <a:schemeClr val="bg1">
-                <a:lumMod val="50000"/>
-              </a:schemeClr>
-            </a:solidFill>
-            <a:prstDash val="solid"/>
-            <a:tailEnd type="arrow"/>
-          </a:ln>
-        </p:spPr>
-        <p:style>
-          <a:lnRef idx="1">
-            <a:schemeClr val="accent1"/>
-          </a:lnRef>
-          <a:fillRef idx="0">
-            <a:schemeClr val="accent1"/>
-          </a:fillRef>
-          <a:effectRef idx="0">
-            <a:schemeClr val="accent1"/>
-          </a:effectRef>
-          <a:fontRef idx="minor">
-            <a:schemeClr val="tx1"/>
-          </a:fontRef>
-        </p:style>
-      </p:cxnSp>
-      <p:cxnSp>
-        <p:nvCxnSpPr>
-          <p:cNvPr id="73" name="Straight Arrow Connector 72"/>
-          <p:cNvCxnSpPr/>
-          <p:nvPr/>
-        </p:nvCxnSpPr>
-        <p:spPr>
-          <a:xfrm>
-            <a:off x="2015903" y="1432719"/>
-            <a:ext cx="977915" cy="0"/>
-          </a:xfrm>
-          <a:prstGeom prst="straightConnector1">
-            <a:avLst/>
-          </a:prstGeom>
-          <a:ln w="38100">
-            <a:solidFill>
-              <a:srgbClr val="0070C0"/>
-            </a:solidFill>
-            <a:prstDash val="solid"/>
-            <a:tailEnd type="arrow"/>
-          </a:ln>
-        </p:spPr>
-        <p:style>
-          <a:lnRef idx="1">
-            <a:schemeClr val="accent1"/>
-          </a:lnRef>
-          <a:fillRef idx="0">
-            <a:schemeClr val="accent1"/>
-          </a:fillRef>
-          <a:effectRef idx="0">
-            <a:schemeClr val="accent1"/>
-          </a:effectRef>
-          <a:fontRef idx="minor">
-            <a:schemeClr val="tx1"/>
-          </a:fontRef>
-        </p:style>
-      </p:cxnSp>
-      <p:cxnSp>
-        <p:nvCxnSpPr>
-          <p:cNvPr id="75" name="Straight Arrow Connector 74"/>
-          <p:cNvCxnSpPr/>
-          <p:nvPr/>
-        </p:nvCxnSpPr>
-        <p:spPr>
-          <a:xfrm>
-            <a:off x="2015903" y="2194719"/>
-            <a:ext cx="2170084" cy="0"/>
-          </a:xfrm>
-          <a:prstGeom prst="straightConnector1">
-            <a:avLst/>
-          </a:prstGeom>
-          <a:ln w="38100">
-            <a:solidFill>
-              <a:srgbClr val="0070C0"/>
-            </a:solidFill>
-            <a:prstDash val="solid"/>
-            <a:tailEnd type="arrow"/>
-          </a:ln>
-        </p:spPr>
-        <p:style>
-          <a:lnRef idx="1">
-            <a:schemeClr val="accent1"/>
-          </a:lnRef>
-          <a:fillRef idx="0">
-            <a:schemeClr val="accent1"/>
-          </a:fillRef>
-          <a:effectRef idx="0">
-            <a:schemeClr val="accent1"/>
-          </a:effectRef>
-          <a:fontRef idx="minor">
-            <a:schemeClr val="tx1"/>
-          </a:fontRef>
-        </p:style>
-      </p:cxnSp>
-      <p:cxnSp>
-        <p:nvCxnSpPr>
-          <p:cNvPr id="77" name="Straight Arrow Connector 76"/>
-          <p:cNvCxnSpPr/>
-          <p:nvPr/>
-        </p:nvCxnSpPr>
-        <p:spPr>
-          <a:xfrm>
-            <a:off x="4257405" y="2423319"/>
-            <a:ext cx="3784025" cy="0"/>
-          </a:xfrm>
-          <a:prstGeom prst="straightConnector1">
-            <a:avLst/>
-          </a:prstGeom>
-          <a:ln w="38100">
-            <a:solidFill>
-              <a:srgbClr val="C00000"/>
-            </a:solidFill>
-            <a:prstDash val="solid"/>
-            <a:tailEnd type="arrow"/>
-          </a:ln>
-        </p:spPr>
-        <p:style>
-          <a:lnRef idx="1">
-            <a:schemeClr val="accent1"/>
-          </a:lnRef>
-          <a:fillRef idx="0">
-            <a:schemeClr val="accent1"/>
-          </a:fillRef>
-          <a:effectRef idx="0">
-            <a:schemeClr val="accent1"/>
-          </a:effectRef>
-          <a:fontRef idx="minor">
-            <a:schemeClr val="tx1"/>
-          </a:fontRef>
-        </p:style>
-      </p:cxnSp>
-      <p:cxnSp>
-        <p:nvCxnSpPr>
-          <p:cNvPr id="80" name="Straight Arrow Connector 79"/>
-          <p:cNvCxnSpPr/>
-          <p:nvPr/>
-        </p:nvCxnSpPr>
-        <p:spPr>
-          <a:xfrm>
-            <a:off x="4272327" y="3185319"/>
-            <a:ext cx="2184732" cy="0"/>
-          </a:xfrm>
-          <a:prstGeom prst="straightConnector1">
-            <a:avLst/>
-          </a:prstGeom>
-          <a:ln w="38100">
-            <a:solidFill>
-              <a:srgbClr val="C00000"/>
-            </a:solidFill>
-            <a:prstDash val="solid"/>
-            <a:tailEnd type="arrow"/>
-          </a:ln>
-        </p:spPr>
-        <p:style>
-          <a:lnRef idx="1">
-            <a:schemeClr val="accent1"/>
-          </a:lnRef>
-          <a:fillRef idx="0">
-            <a:schemeClr val="accent1"/>
-          </a:fillRef>
-          <a:effectRef idx="0">
-            <a:schemeClr val="accent1"/>
-          </a:effectRef>
-          <a:fontRef idx="minor">
-            <a:schemeClr val="tx1"/>
-          </a:fontRef>
-        </p:style>
-      </p:cxnSp>
-      <p:cxnSp>
-        <p:nvCxnSpPr>
-          <p:cNvPr id="83" name="Straight Arrow Connector 82"/>
-          <p:cNvCxnSpPr/>
-          <p:nvPr/>
-        </p:nvCxnSpPr>
-        <p:spPr>
-          <a:xfrm flipV="1">
-            <a:off x="4272327" y="4099718"/>
-            <a:ext cx="1458171" cy="1"/>
-          </a:xfrm>
-          <a:prstGeom prst="straightConnector1">
-            <a:avLst/>
-          </a:prstGeom>
-          <a:ln w="38100">
-            <a:solidFill>
-              <a:srgbClr val="C00000"/>
-            </a:solidFill>
-            <a:prstDash val="solid"/>
-            <a:tailEnd type="arrow"/>
-          </a:ln>
-        </p:spPr>
-        <p:style>
-          <a:lnRef idx="1">
-            <a:schemeClr val="accent1"/>
-          </a:lnRef>
-          <a:fillRef idx="0">
-            <a:schemeClr val="accent1"/>
-          </a:fillRef>
-          <a:effectRef idx="0">
-            <a:schemeClr val="accent1"/>
-          </a:effectRef>
-          <a:fontRef idx="minor">
-            <a:schemeClr val="tx1"/>
-          </a:fontRef>
-        </p:style>
-      </p:cxnSp>
-      <p:cxnSp>
-        <p:nvCxnSpPr>
-          <p:cNvPr id="85" name="Straight Arrow Connector 84"/>
-          <p:cNvCxnSpPr/>
-          <p:nvPr/>
-        </p:nvCxnSpPr>
-        <p:spPr>
-          <a:xfrm>
-            <a:off x="5801916" y="4175919"/>
-            <a:ext cx="1197236" cy="0"/>
-          </a:xfrm>
-          <a:prstGeom prst="straightConnector1">
-            <a:avLst/>
-          </a:prstGeom>
-          <a:ln w="38100">
-            <a:solidFill>
-              <a:srgbClr val="7030A0"/>
-            </a:solidFill>
-            <a:prstDash val="solid"/>
-            <a:tailEnd type="arrow"/>
-          </a:ln>
-        </p:spPr>
-        <p:style>
-          <a:lnRef idx="1">
-            <a:schemeClr val="accent1"/>
-          </a:lnRef>
-          <a:fillRef idx="0">
-            <a:schemeClr val="accent1"/>
-          </a:fillRef>
-          <a:effectRef idx="0">
-            <a:schemeClr val="accent1"/>
-          </a:effectRef>
-          <a:fontRef idx="minor">
-            <a:schemeClr val="tx1"/>
-          </a:fontRef>
-        </p:style>
-      </p:cxnSp>
-      <p:cxnSp>
-        <p:nvCxnSpPr>
-          <p:cNvPr id="89" name="Straight Arrow Connector 88"/>
-          <p:cNvCxnSpPr/>
-          <p:nvPr/>
-        </p:nvCxnSpPr>
-        <p:spPr>
-          <a:xfrm>
-            <a:off x="5873334" y="4556919"/>
-            <a:ext cx="1197237" cy="0"/>
-          </a:xfrm>
-          <a:prstGeom prst="straightConnector1">
-            <a:avLst/>
-          </a:prstGeom>
-          <a:ln w="38100">
-            <a:solidFill>
-              <a:srgbClr val="00B050"/>
-            </a:solidFill>
-            <a:prstDash val="sysDot"/>
-            <a:headEnd type="arrow" w="med" len="med"/>
-            <a:tailEnd type="none" w="med" len="med"/>
-          </a:ln>
-        </p:spPr>
-        <p:style>
-          <a:lnRef idx="1">
-            <a:schemeClr val="accent1"/>
-          </a:lnRef>
-          <a:fillRef idx="0">
-            <a:schemeClr val="accent1"/>
-          </a:fillRef>
-          <a:effectRef idx="0">
-            <a:schemeClr val="accent1"/>
-          </a:effectRef>
-          <a:fontRef idx="minor">
-            <a:schemeClr val="tx1"/>
-          </a:fontRef>
-        </p:style>
-      </p:cxnSp>
-      <p:cxnSp>
-        <p:nvCxnSpPr>
-          <p:cNvPr id="90" name="Straight Arrow Connector 89"/>
-          <p:cNvCxnSpPr/>
-          <p:nvPr/>
-        </p:nvCxnSpPr>
-        <p:spPr>
-          <a:xfrm>
-            <a:off x="2110581" y="5306219"/>
-            <a:ext cx="3691335" cy="0"/>
-          </a:xfrm>
-          <a:prstGeom prst="straightConnector1">
-            <a:avLst/>
-          </a:prstGeom>
-          <a:ln w="38100">
-            <a:solidFill>
-              <a:srgbClr val="7030A0"/>
-            </a:solidFill>
-            <a:prstDash val="sysDot"/>
-            <a:headEnd type="arrow" w="med" len="med"/>
-            <a:tailEnd type="none" w="med" len="med"/>
-          </a:ln>
-        </p:spPr>
-        <p:style>
-          <a:lnRef idx="1">
-            <a:schemeClr val="accent1"/>
-          </a:lnRef>
-          <a:fillRef idx="0">
-            <a:schemeClr val="accent1"/>
-          </a:fillRef>
-          <a:effectRef idx="0">
-            <a:schemeClr val="accent1"/>
-          </a:effectRef>
-          <a:fontRef idx="minor">
-            <a:schemeClr val="tx1"/>
-          </a:fontRef>
-        </p:style>
-      </p:cxnSp>
-      <p:sp>
-        <p:nvSpPr>
-          <p:cNvPr id="25" name="Rectangle 24"/>
-          <p:cNvSpPr/>
-          <p:nvPr/>
-        </p:nvSpPr>
-        <p:spPr>
-          <a:xfrm>
-            <a:off x="2993818" y="1417653"/>
-            <a:ext cx="142836" cy="548466"/>
-          </a:xfrm>
-          <a:prstGeom prst="rect">
-            <a:avLst/>
-          </a:prstGeom>
           <a:solidFill>
-            <a:schemeClr val="accent6">
+            <a:schemeClr val="accent3">
               <a:lumMod val="40000"/>
               <a:lumOff val="60000"/>
             </a:schemeClr>
           </a:solidFill>
+          <a:ln>
+            <a:solidFill>
+              <a:srgbClr val="00B050"/>
+            </a:solidFill>
+          </a:ln>
         </p:spPr>
         <p:style>
           <a:lnRef idx="2">
@@ -4617,27 +6039,26 @@
       </p:sp>
       <p:cxnSp>
         <p:nvCxnSpPr>
-          <p:cNvPr id="97" name="Straight Arrow Connector 96"/>
-          <p:cNvCxnSpPr/>
+          <p:cNvPr id="277" name="Straight Arrow Connector 276"/>
+          <p:cNvCxnSpPr>
+            <a:endCxn id="274" idx="1"/>
+          </p:cNvCxnSpPr>
           <p:nvPr/>
         </p:nvCxnSpPr>
         <p:spPr>
           <a:xfrm>
-            <a:off x="2110581" y="1966119"/>
-            <a:ext cx="883237" cy="0"/>
+            <a:off x="6708825" y="4244181"/>
+            <a:ext cx="3213894" cy="0"/>
           </a:xfrm>
           <a:prstGeom prst="straightConnector1">
             <a:avLst/>
           </a:prstGeom>
           <a:ln w="38100">
             <a:solidFill>
-              <a:schemeClr val="accent6">
-                <a:lumMod val="75000"/>
-              </a:schemeClr>
+              <a:srgbClr val="C00000"/>
             </a:solidFill>
-            <a:prstDash val="sysDot"/>
-            <a:headEnd type="arrow" w="med" len="med"/>
-            <a:tailEnd type="none" w="med" len="med"/>
+            <a:prstDash val="solid"/>
+            <a:tailEnd type="arrow"/>
           </a:ln>
         </p:spPr>
         <p:style>
@@ -4655,29 +6076,142 @@
           </a:fontRef>
         </p:style>
       </p:cxnSp>
-      <p:sp>
-        <p:nvSpPr>
-          <p:cNvPr id="101" name="Rectangle 100"/>
+      <p:cxnSp>
+        <p:nvCxnSpPr>
+          <p:cNvPr id="278" name="Straight Arrow Connector 277"/>
+          <p:cNvCxnSpPr/>
+          <p:nvPr/>
+        </p:nvCxnSpPr>
+        <p:spPr>
+          <a:xfrm>
+            <a:off x="4259796" y="6016067"/>
+            <a:ext cx="2223554" cy="0"/>
+          </a:xfrm>
+          <a:prstGeom prst="straightConnector1">
+            <a:avLst/>
+          </a:prstGeom>
+          <a:ln w="38100">
+            <a:solidFill>
+              <a:srgbClr val="C00000"/>
+            </a:solidFill>
+            <a:prstDash val="sysDot"/>
+            <a:headEnd type="arrow" w="med" len="med"/>
+            <a:tailEnd type="none" w="med" len="med"/>
+          </a:ln>
+        </p:spPr>
+        <p:style>
+          <a:lnRef idx="1">
+            <a:schemeClr val="accent1"/>
+          </a:lnRef>
+          <a:fillRef idx="0">
+            <a:schemeClr val="accent1"/>
+          </a:fillRef>
+          <a:effectRef idx="0">
+            <a:schemeClr val="accent1"/>
+          </a:effectRef>
+          <a:fontRef idx="minor">
+            <a:schemeClr val="tx1"/>
+          </a:fontRef>
+        </p:style>
+      </p:cxnSp>
+      <p:cxnSp>
+        <p:nvCxnSpPr>
+          <p:cNvPr id="279" name="Straight Arrow Connector 278"/>
+          <p:cNvCxnSpPr/>
+          <p:nvPr/>
+        </p:nvCxnSpPr>
+        <p:spPr>
+          <a:xfrm>
+            <a:off x="4194969" y="6546096"/>
+            <a:ext cx="4120803" cy="0"/>
+          </a:xfrm>
+          <a:prstGeom prst="straightConnector1">
+            <a:avLst/>
+          </a:prstGeom>
+          <a:ln w="38100">
+            <a:solidFill>
+              <a:schemeClr val="tx2"/>
+            </a:solidFill>
+            <a:prstDash val="solid"/>
+            <a:tailEnd type="arrow"/>
+          </a:ln>
+        </p:spPr>
+        <p:style>
+          <a:lnRef idx="1">
+            <a:schemeClr val="accent1"/>
+          </a:lnRef>
+          <a:fillRef idx="0">
+            <a:schemeClr val="accent1"/>
+          </a:fillRef>
+          <a:effectRef idx="0">
+            <a:schemeClr val="accent1"/>
+          </a:effectRef>
+          <a:fontRef idx="minor">
+            <a:schemeClr val="tx1"/>
+          </a:fontRef>
+        </p:style>
+      </p:cxnSp>
+      <p:sp>
+        <p:nvSpPr>
+          <p:cNvPr id="280" name="TextBox 279"/>
+          <p:cNvSpPr txBox="1"/>
+          <p:nvPr/>
+        </p:nvSpPr>
+        <p:spPr>
+          <a:xfrm>
+            <a:off x="4555155" y="6251935"/>
+            <a:ext cx="1135356" cy="338554"/>
+          </a:xfrm>
+          <a:prstGeom prst="rect">
+            <a:avLst/>
+          </a:prstGeom>
+          <a:noFill/>
+        </p:spPr>
+        <p:txBody>
+          <a:bodyPr wrap="square" rtlCol="0">
+            <a:spAutoFit/>
+          </a:bodyPr>
+          <a:lstStyle/>
+          <a:p>
+            <a:r>
+              <a:rPr lang="en-US" sz="1600" b="1" dirty="0" smtClean="0">
+                <a:solidFill>
+                  <a:srgbClr val="0070C0"/>
+                </a:solidFill>
+              </a:rPr>
+              <a:t>send()</a:t>
+            </a:r>
+            <a:endParaRPr lang="en-SG" sz="1600" b="1" dirty="0">
+              <a:solidFill>
+                <a:srgbClr val="0070C0"/>
+              </a:solidFill>
+            </a:endParaRPr>
+          </a:p>
+        </p:txBody>
+      </p:sp>
+      <p:sp>
+        <p:nvSpPr>
+          <p:cNvPr id="266" name="Rectangle 265"/>
           <p:cNvSpPr/>
           <p:nvPr/>
         </p:nvSpPr>
         <p:spPr>
           <a:xfrm>
-            <a:off x="5730498" y="4099719"/>
-            <a:ext cx="142836" cy="1219200"/>
+            <a:off x="10582570" y="4988700"/>
+            <a:ext cx="142836" cy="169881"/>
           </a:xfrm>
           <a:prstGeom prst="rect">
             <a:avLst/>
           </a:prstGeom>
           <a:solidFill>
-            <a:schemeClr val="accent4">
+            <a:schemeClr val="accent3">
               <a:lumMod val="40000"/>
               <a:lumOff val="60000"/>
             </a:schemeClr>
           </a:solidFill>
           <a:ln>
             <a:solidFill>
-              <a:srgbClr val="7030A0"/>
+              <a:srgbClr val="00B050"/>
             </a:solidFill>
           </a:ln>
         </p:spPr>
@@ -4706,27 +6240,27 @@
       </p:sp>
       <p:sp>
         <p:nvSpPr>
-          <p:cNvPr id="104" name="Rectangle 103"/>
+          <p:cNvPr id="248" name="Rectangle 247"/>
           <p:cNvSpPr/>
           <p:nvPr/>
         </p:nvSpPr>
         <p:spPr>
           <a:xfrm>
-            <a:off x="6999152" y="4175920"/>
-            <a:ext cx="142836" cy="381000"/>
+            <a:off x="4112178" y="1873108"/>
+            <a:ext cx="141895" cy="5044229"/>
           </a:xfrm>
           <a:prstGeom prst="rect">
             <a:avLst/>
           </a:prstGeom>
           <a:solidFill>
-            <a:schemeClr val="accent3">
+            <a:schemeClr val="tx2">
               <a:lumMod val="40000"/>
               <a:lumOff val="60000"/>
             </a:schemeClr>
           </a:solidFill>
           <a:ln>
             <a:solidFill>
-              <a:srgbClr val="00B050"/>
+              <a:srgbClr val="0070C0"/>
             </a:solidFill>
           </a:ln>
         </p:spPr>
@@ -4755,21 +6289,21 @@
       </p:sp>
       <p:cxnSp>
         <p:nvCxnSpPr>
-          <p:cNvPr id="107" name="Straight Arrow Connector 106"/>
+          <p:cNvPr id="284" name="Straight Arrow Connector 283"/>
           <p:cNvCxnSpPr/>
           <p:nvPr/>
         </p:nvCxnSpPr>
         <p:spPr>
           <a:xfrm>
-            <a:off x="680022" y="5471319"/>
-            <a:ext cx="1247766" cy="0"/>
+            <a:off x="4259796" y="6880204"/>
+            <a:ext cx="4149751" cy="0"/>
           </a:xfrm>
           <a:prstGeom prst="straightConnector1">
             <a:avLst/>
           </a:prstGeom>
           <a:ln w="38100">
             <a:solidFill>
-              <a:srgbClr val="0070C0"/>
+              <a:srgbClr val="00B050"/>
             </a:solidFill>
             <a:prstDash val="sysDot"/>
             <a:headEnd type="arrow" w="med" len="med"/>
@@ -4793,27 +6327,194 @@
       </p:cxnSp>
       <p:sp>
         <p:nvSpPr>
-          <p:cNvPr id="109" name="Rectangle 108"/>
+          <p:cNvPr id="296" name="TextBox 295"/>
+          <p:cNvSpPr txBox="1"/>
+          <p:nvPr/>
+        </p:nvSpPr>
+        <p:spPr>
+          <a:xfrm>
+            <a:off x="5500049" y="1893597"/>
+            <a:ext cx="777829" cy="338554"/>
+          </a:xfrm>
+          <a:prstGeom prst="rect">
+            <a:avLst/>
+          </a:prstGeom>
+          <a:noFill/>
+        </p:spPr>
+        <p:txBody>
+          <a:bodyPr wrap="square" rtlCol="0">
+            <a:spAutoFit/>
+          </a:bodyPr>
+          <a:lstStyle>
+            <a:defPPr>
+              <a:defRPr lang="en-US"/>
+            </a:defPPr>
+            <a:lvl1pPr>
+              <a:defRPr sz="1600" b="1">
+                <a:solidFill>
+                  <a:schemeClr val="accent2">
+                    <a:lumMod val="75000"/>
+                  </a:schemeClr>
+                </a:solidFill>
+              </a:defRPr>
+            </a:lvl1pPr>
+          </a:lstStyle>
+          <a:p>
+            <a:r>
+              <a:rPr lang="en-US" dirty="0" smtClean="0"/>
+              <a:t>create</a:t>
+            </a:r>
+            <a:endParaRPr lang="en-SG" dirty="0"/>
+          </a:p>
+        </p:txBody>
+      </p:sp>
+      <p:sp>
+        <p:nvSpPr>
+          <p:cNvPr id="297" name="TextBox 296"/>
+          <p:cNvSpPr txBox="1"/>
+          <p:nvPr/>
+        </p:nvSpPr>
+        <p:spPr>
+          <a:xfrm>
+            <a:off x="7128879" y="3921868"/>
+            <a:ext cx="777829" cy="338554"/>
+          </a:xfrm>
+          <a:prstGeom prst="rect">
+            <a:avLst/>
+          </a:prstGeom>
+          <a:noFill/>
+        </p:spPr>
+        <p:txBody>
+          <a:bodyPr wrap="square" rtlCol="0">
+            <a:spAutoFit/>
+          </a:bodyPr>
+          <a:lstStyle>
+            <a:defPPr>
+              <a:defRPr lang="en-US"/>
+            </a:defPPr>
+            <a:lvl1pPr>
+              <a:defRPr sz="1600" b="1">
+                <a:solidFill>
+                  <a:schemeClr val="accent2">
+                    <a:lumMod val="75000"/>
+                  </a:schemeClr>
+                </a:solidFill>
+              </a:defRPr>
+            </a:lvl1pPr>
+          </a:lstStyle>
+          <a:p>
+            <a:r>
+              <a:rPr lang="en-US" dirty="0" smtClean="0"/>
+              <a:t>create</a:t>
+            </a:r>
+            <a:endParaRPr lang="en-SG" dirty="0"/>
+          </a:p>
+        </p:txBody>
+      </p:sp>
+      <p:sp>
+        <p:nvSpPr>
+          <p:cNvPr id="298" name="TextBox 297"/>
+          <p:cNvSpPr txBox="1"/>
+          <p:nvPr/>
+        </p:nvSpPr>
+        <p:spPr>
+          <a:xfrm>
+            <a:off x="6801139" y="5523040"/>
+            <a:ext cx="777829" cy="338554"/>
+          </a:xfrm>
+          <a:prstGeom prst="rect">
+            <a:avLst/>
+          </a:prstGeom>
+          <a:noFill/>
+        </p:spPr>
+        <p:txBody>
+          <a:bodyPr wrap="square" rtlCol="0">
+            <a:spAutoFit/>
+          </a:bodyPr>
+          <a:lstStyle>
+            <a:defPPr>
+              <a:defRPr lang="en-US"/>
+            </a:defPPr>
+            <a:lvl1pPr>
+              <a:defRPr sz="1600" b="1">
+                <a:solidFill>
+                  <a:schemeClr val="accent2">
+                    <a:lumMod val="75000"/>
+                  </a:schemeClr>
+                </a:solidFill>
+              </a:defRPr>
+            </a:lvl1pPr>
+          </a:lstStyle>
+          <a:p>
+            <a:r>
+              <a:rPr lang="en-US" dirty="0" smtClean="0"/>
+              <a:t>create</a:t>
+            </a:r>
+            <a:endParaRPr lang="en-SG" dirty="0"/>
+          </a:p>
+        </p:txBody>
+      </p:sp>
+      <p:cxnSp>
+        <p:nvCxnSpPr>
+          <p:cNvPr id="301" name="Straight Arrow Connector 300"/>
+          <p:cNvCxnSpPr/>
+          <p:nvPr/>
+        </p:nvCxnSpPr>
+        <p:spPr>
+          <a:xfrm>
+            <a:off x="6734079" y="5981485"/>
+            <a:ext cx="1602473" cy="0"/>
+          </a:xfrm>
+          <a:prstGeom prst="straightConnector1">
+            <a:avLst/>
+          </a:prstGeom>
+          <a:ln w="38100">
+            <a:solidFill>
+              <a:srgbClr val="00B050"/>
+            </a:solidFill>
+            <a:prstDash val="sysDot"/>
+            <a:headEnd type="arrow" w="med" len="med"/>
+            <a:tailEnd type="none" w="med" len="med"/>
+          </a:ln>
+        </p:spPr>
+        <p:style>
+          <a:lnRef idx="1">
+            <a:schemeClr val="accent1"/>
+          </a:lnRef>
+          <a:fillRef idx="0">
+            <a:schemeClr val="accent1"/>
+          </a:fillRef>
+          <a:effectRef idx="0">
+            <a:schemeClr val="accent1"/>
+          </a:effectRef>
+          <a:fontRef idx="minor">
+            <a:schemeClr val="tx1"/>
+          </a:fontRef>
+        </p:style>
+      </p:cxnSp>
+      <p:sp>
+        <p:nvSpPr>
+          <p:cNvPr id="275" name="Rectangle 274"/>
           <p:cNvSpPr/>
           <p:nvPr/>
         </p:nvSpPr>
         <p:spPr>
           <a:xfrm>
-            <a:off x="1962963" y="1280318"/>
-            <a:ext cx="147618" cy="4230185"/>
+            <a:off x="8341394" y="6524991"/>
+            <a:ext cx="136306" cy="355213"/>
           </a:xfrm>
           <a:prstGeom prst="rect">
             <a:avLst/>
           </a:prstGeom>
           <a:solidFill>
-            <a:schemeClr val="tx2">
+            <a:schemeClr val="accent3">
               <a:lumMod val="40000"/>
               <a:lumOff val="60000"/>
             </a:schemeClr>
           </a:solidFill>
           <a:ln>
             <a:solidFill>
-              <a:srgbClr val="0070C0"/>
+              <a:srgbClr val="00B050"/>
             </a:solidFill>
           </a:ln>
         </p:spPr>
@@ -4842,14 +6543,14 @@
       </p:sp>
       <p:cxnSp>
         <p:nvCxnSpPr>
-          <p:cNvPr id="115" name="Straight Arrow Connector 114"/>
+          <p:cNvPr id="308" name="Straight Arrow Connector 307"/>
           <p:cNvCxnSpPr/>
           <p:nvPr/>
         </p:nvCxnSpPr>
         <p:spPr>
           <a:xfrm>
-            <a:off x="4320381" y="2651919"/>
-            <a:ext cx="3721049" cy="0"/>
+            <a:off x="2107361" y="6917337"/>
+            <a:ext cx="1961012" cy="0"/>
           </a:xfrm>
           <a:prstGeom prst="straightConnector1">
             <a:avLst/>
@@ -4880,52 +6581,82 @@
           </a:fontRef>
         </p:style>
       </p:cxnSp>
-      <p:cxnSp>
-        <p:nvCxnSpPr>
-          <p:cNvPr id="121" name="Straight Arrow Connector 120"/>
-          <p:cNvCxnSpPr/>
+      <p:sp>
+        <p:nvSpPr>
+          <p:cNvPr id="202" name="Rectangle 201"/>
+          <p:cNvSpPr/>
           <p:nvPr/>
-        </p:nvCxnSpPr>
-        <p:spPr>
-          <a:xfrm flipV="1">
-            <a:off x="4272327" y="3642520"/>
-            <a:ext cx="2726825" cy="1"/>
-          </a:xfrm>
-          <a:prstGeom prst="straightConnector1">
-            <a:avLst/>
-          </a:prstGeom>
-          <a:ln w="38100">
+        </p:nvSpPr>
+        <p:spPr>
+          <a:xfrm>
+            <a:off x="7776369" y="5344720"/>
+            <a:ext cx="1295250" cy="494528"/>
+          </a:xfrm>
+          <a:prstGeom prst="rect">
+            <a:avLst/>
+          </a:prstGeom>
+          <a:solidFill>
+            <a:srgbClr val="92D050"/>
+          </a:solidFill>
+          <a:ln>
             <a:solidFill>
-              <a:srgbClr val="C00000"/>
+              <a:srgbClr val="00B050"/>
             </a:solidFill>
-            <a:prstDash val="solid"/>
-            <a:tailEnd type="arrow"/>
           </a:ln>
         </p:spPr>
         <p:style>
-          <a:lnRef idx="1">
-            <a:schemeClr val="accent1"/>
+          <a:lnRef idx="2">
+            <a:schemeClr val="accent5">
+              <a:shade val="50000"/>
+            </a:schemeClr>
           </a:lnRef>
-          <a:fillRef idx="0">
-            <a:schemeClr val="accent1"/>
+          <a:fillRef idx="1">
+            <a:schemeClr val="accent5"/>
           </a:fillRef>
           <a:effectRef idx="0">
-            <a:schemeClr val="accent1"/>
+            <a:schemeClr val="accent5"/>
           </a:effectRef>
           <a:fontRef idx="minor">
-            <a:schemeClr val="tx1"/>
+            <a:schemeClr val="lt1"/>
           </a:fontRef>
         </p:style>
-      </p:cxnSp>
-      <p:sp>
-        <p:nvSpPr>
-          <p:cNvPr id="123" name="Rectangle 122"/>
+        <p:txBody>
+          <a:bodyPr rtlCol="0" anchor="ctr"/>
+          <a:lstStyle/>
+          <a:p>
+            <a:pPr algn="ctr"/>
+            <a:r>
+              <a:rPr lang="en-US" sz="1400" b="1" dirty="0" smtClean="0"/>
+              <a:t>:</a:t>
+            </a:r>
+            <a:r>
+              <a:rPr lang="en-US" sz="1400" b="1" dirty="0" err="1" smtClean="0"/>
+              <a:t>ShowPage</a:t>
+            </a:r>
+            <a:r>
+              <a:rPr lang="en-US" sz="1400" b="1" dirty="0" smtClean="0"/>
+              <a:t/>
+            </a:r>
+            <a:br>
+              <a:rPr lang="en-US" sz="1400" b="1" dirty="0" smtClean="0"/>
+            </a:br>
+            <a:r>
+              <a:rPr lang="en-US" sz="1400" b="1" dirty="0" smtClean="0"/>
+              <a:t>Result</a:t>
+            </a:r>
+            <a:endParaRPr lang="en-SG" sz="1400" b="1" dirty="0"/>
+          </a:p>
+        </p:txBody>
+      </p:sp>
+      <p:sp>
+        <p:nvSpPr>
+          <p:cNvPr id="312" name="Rectangle 311"/>
           <p:cNvSpPr/>
           <p:nvPr/>
         </p:nvSpPr>
         <p:spPr>
           <a:xfrm>
-            <a:off x="6999153" y="3648832"/>
+            <a:off x="10610621" y="4450092"/>
             <a:ext cx="142836" cy="169881"/>
           </a:xfrm>
           <a:prstGeom prst="rect">
@@ -4968,14 +6699,14 @@
       </p:sp>
       <p:cxnSp>
         <p:nvCxnSpPr>
-          <p:cNvPr id="124" name="Straight Arrow Connector 123"/>
+          <p:cNvPr id="313" name="Straight Arrow Connector 312"/>
           <p:cNvCxnSpPr/>
           <p:nvPr/>
         </p:nvCxnSpPr>
         <p:spPr>
           <a:xfrm>
-            <a:off x="4320381" y="3818713"/>
-            <a:ext cx="2647288" cy="0"/>
+            <a:off x="6708825" y="4619973"/>
+            <a:ext cx="3896954" cy="0"/>
           </a:xfrm>
           <a:prstGeom prst="straightConnector1">
             <a:avLst/>
@@ -5004,423 +6735,6 @@
           </a:fontRef>
         </p:style>
       </p:cxnSp>
-      <p:sp>
-        <p:nvSpPr>
-          <p:cNvPr id="99" name="Rectangle 98"/>
-          <p:cNvSpPr/>
-          <p:nvPr/>
-        </p:nvSpPr>
-        <p:spPr>
-          <a:xfrm>
-            <a:off x="4188372" y="2116136"/>
-            <a:ext cx="129624" cy="2059784"/>
-          </a:xfrm>
-          <a:prstGeom prst="rect">
-            <a:avLst/>
-          </a:prstGeom>
-          <a:solidFill>
-            <a:schemeClr val="accent2">
-              <a:lumMod val="40000"/>
-              <a:lumOff val="60000"/>
-            </a:schemeClr>
-          </a:solidFill>
-          <a:ln>
-            <a:solidFill>
-              <a:srgbClr val="C00000"/>
-            </a:solidFill>
-          </a:ln>
-        </p:spPr>
-        <p:style>
-          <a:lnRef idx="2">
-            <a:schemeClr val="accent6"/>
-          </a:lnRef>
-          <a:fillRef idx="1">
-            <a:schemeClr val="lt1"/>
-          </a:fillRef>
-          <a:effectRef idx="0">
-            <a:schemeClr val="accent6"/>
-          </a:effectRef>
-          <a:fontRef idx="minor">
-            <a:schemeClr val="dk1"/>
-          </a:fontRef>
-        </p:style>
-        <p:txBody>
-          <a:bodyPr rtlCol="0" anchor="ctr"/>
-          <a:lstStyle/>
-          <a:p>
-            <a:pPr algn="ctr"/>
-            <a:endParaRPr lang="en-SG"/>
-          </a:p>
-        </p:txBody>
-      </p:sp>
-      <p:sp>
-        <p:nvSpPr>
-          <p:cNvPr id="247" name="TextBox 246"/>
-          <p:cNvSpPr txBox="1"/>
-          <p:nvPr/>
-        </p:nvSpPr>
-        <p:spPr>
-          <a:xfrm>
-            <a:off x="2227262" y="1091350"/>
-            <a:ext cx="730837" cy="353943"/>
-          </a:xfrm>
-          <a:prstGeom prst="rect">
-            <a:avLst/>
-          </a:prstGeom>
-          <a:noFill/>
-        </p:spPr>
-        <p:txBody>
-          <a:bodyPr wrap="square" rtlCol="0">
-            <a:spAutoFit/>
-          </a:bodyPr>
-          <a:lstStyle/>
-          <a:p>
-            <a:r>
-              <a:rPr lang="en-US" dirty="0" smtClean="0">
-                <a:solidFill>
-                  <a:srgbClr val="0070C0"/>
-                </a:solidFill>
-              </a:rPr>
-              <a:t>apply</a:t>
-            </a:r>
-            <a:endParaRPr lang="en-SG" dirty="0">
-              <a:solidFill>
-                <a:srgbClr val="0070C0"/>
-              </a:solidFill>
-            </a:endParaRPr>
-          </a:p>
-        </p:txBody>
-      </p:sp>
-      <p:sp>
-        <p:nvSpPr>
-          <p:cNvPr id="127" name="TextBox 126"/>
-          <p:cNvSpPr txBox="1"/>
-          <p:nvPr/>
-        </p:nvSpPr>
-        <p:spPr>
-          <a:xfrm>
-            <a:off x="4599559" y="2118519"/>
-            <a:ext cx="3149822" cy="353943"/>
-          </a:xfrm>
-          <a:prstGeom prst="rect">
-            <a:avLst/>
-          </a:prstGeom>
-          <a:noFill/>
-        </p:spPr>
-        <p:txBody>
-          <a:bodyPr wrap="square" rtlCol="0">
-            <a:spAutoFit/>
-          </a:bodyPr>
-          <a:lstStyle/>
-          <a:p>
-            <a:r>
-              <a:rPr lang="en-US" dirty="0" smtClean="0">
-                <a:solidFill>
-                  <a:schemeClr val="accent2">
-                    <a:lumMod val="75000"/>
-                  </a:schemeClr>
-                </a:solidFill>
-              </a:rPr>
-              <a:t>perform action/ get data</a:t>
-            </a:r>
-            <a:endParaRPr lang="en-SG" dirty="0">
-              <a:solidFill>
-                <a:schemeClr val="accent2">
-                  <a:lumMod val="75000"/>
-                </a:schemeClr>
-              </a:solidFill>
-            </a:endParaRPr>
-          </a:p>
-        </p:txBody>
-      </p:sp>
-      <p:sp>
-        <p:nvSpPr>
-          <p:cNvPr id="131" name="TextBox 130"/>
-          <p:cNvSpPr txBox="1"/>
-          <p:nvPr/>
-        </p:nvSpPr>
-        <p:spPr>
-          <a:xfrm>
-            <a:off x="4635993" y="4099719"/>
-            <a:ext cx="903588" cy="353943"/>
-          </a:xfrm>
-          <a:prstGeom prst="rect">
-            <a:avLst/>
-          </a:prstGeom>
-          <a:noFill/>
-        </p:spPr>
-        <p:txBody>
-          <a:bodyPr wrap="square" rtlCol="0">
-            <a:spAutoFit/>
-          </a:bodyPr>
-          <a:lstStyle/>
-          <a:p>
-            <a:r>
-              <a:rPr lang="en-US" dirty="0" smtClean="0">
-                <a:solidFill>
-                  <a:schemeClr val="accent2">
-                    <a:lumMod val="75000"/>
-                  </a:schemeClr>
-                </a:solidFill>
-              </a:rPr>
-              <a:t>forward</a:t>
-            </a:r>
-            <a:endParaRPr lang="en-SG" dirty="0">
-              <a:solidFill>
-                <a:schemeClr val="accent2">
-                  <a:lumMod val="75000"/>
-                </a:schemeClr>
-              </a:solidFill>
-            </a:endParaRPr>
-          </a:p>
-        </p:txBody>
-      </p:sp>
-      <p:sp>
-        <p:nvSpPr>
-          <p:cNvPr id="132" name="TextBox 131"/>
-          <p:cNvSpPr txBox="1"/>
-          <p:nvPr/>
-        </p:nvSpPr>
-        <p:spPr>
-          <a:xfrm>
-            <a:off x="4599559" y="3303551"/>
-            <a:ext cx="1857500" cy="353943"/>
-          </a:xfrm>
-          <a:prstGeom prst="rect">
-            <a:avLst/>
-          </a:prstGeom>
-          <a:noFill/>
-        </p:spPr>
-        <p:txBody>
-          <a:bodyPr wrap="square" rtlCol="0">
-            <a:spAutoFit/>
-          </a:bodyPr>
-          <a:lstStyle/>
-          <a:p>
-            <a:r>
-              <a:rPr lang="en-US" dirty="0" smtClean="0">
-                <a:solidFill>
-                  <a:schemeClr val="accent2">
-                    <a:lumMod val="75000"/>
-                  </a:schemeClr>
-                </a:solidFill>
-              </a:rPr>
-              <a:t>populate with data</a:t>
-            </a:r>
-            <a:endParaRPr lang="en-SG" dirty="0">
-              <a:solidFill>
-                <a:schemeClr val="accent2">
-                  <a:lumMod val="75000"/>
-                </a:schemeClr>
-              </a:solidFill>
-            </a:endParaRPr>
-          </a:p>
-        </p:txBody>
-      </p:sp>
-      <p:sp>
-        <p:nvSpPr>
-          <p:cNvPr id="133" name="TextBox 132"/>
-          <p:cNvSpPr txBox="1"/>
-          <p:nvPr/>
-        </p:nvSpPr>
-        <p:spPr>
-          <a:xfrm>
-            <a:off x="5996781" y="3871119"/>
-            <a:ext cx="1002372" cy="615553"/>
-          </a:xfrm>
-          <a:prstGeom prst="rect">
-            <a:avLst/>
-          </a:prstGeom>
-          <a:noFill/>
-        </p:spPr>
-        <p:txBody>
-          <a:bodyPr wrap="square" rtlCol="0">
-            <a:spAutoFit/>
-          </a:bodyPr>
-          <a:lstStyle/>
-          <a:p>
-            <a:r>
-              <a:rPr lang="en-US" dirty="0" smtClean="0">
-                <a:solidFill>
-                  <a:srgbClr val="7030A0"/>
-                </a:solidFill>
-              </a:rPr>
-              <a:t>retrieve data</a:t>
-            </a:r>
-            <a:endParaRPr lang="en-SG" dirty="0">
-              <a:solidFill>
-                <a:srgbClr val="7030A0"/>
-              </a:solidFill>
-            </a:endParaRPr>
-          </a:p>
-        </p:txBody>
-      </p:sp>
-      <p:sp>
-        <p:nvSpPr>
-          <p:cNvPr id="134" name="TextBox 133"/>
-          <p:cNvSpPr txBox="1"/>
-          <p:nvPr/>
-        </p:nvSpPr>
-        <p:spPr>
-          <a:xfrm>
-            <a:off x="6149181" y="4758892"/>
-            <a:ext cx="1002372" cy="615553"/>
-          </a:xfrm>
-          <a:prstGeom prst="rect">
-            <a:avLst/>
-          </a:prstGeom>
-          <a:noFill/>
-        </p:spPr>
-        <p:txBody>
-          <a:bodyPr wrap="square" rtlCol="0">
-            <a:spAutoFit/>
-          </a:bodyPr>
-          <a:lstStyle/>
-          <a:p>
-            <a:r>
-              <a:rPr lang="en-US" dirty="0" smtClean="0">
-                <a:solidFill>
-                  <a:srgbClr val="7030A0"/>
-                </a:solidFill>
-              </a:rPr>
-              <a:t>generate page</a:t>
-            </a:r>
-            <a:endParaRPr lang="en-SG" dirty="0">
-              <a:solidFill>
-                <a:srgbClr val="7030A0"/>
-              </a:solidFill>
-            </a:endParaRPr>
-          </a:p>
-        </p:txBody>
-      </p:sp>
-      <p:sp>
-        <p:nvSpPr>
-          <p:cNvPr id="252" name="Arc 251"/>
-          <p:cNvSpPr/>
-          <p:nvPr/>
-        </p:nvSpPr>
-        <p:spPr>
-          <a:xfrm>
-            <a:off x="5691981" y="4758892"/>
-            <a:ext cx="457200" cy="307776"/>
-          </a:xfrm>
-          <a:prstGeom prst="arc">
-            <a:avLst>
-              <a:gd name="adj1" fmla="val 16200000"/>
-              <a:gd name="adj2" fmla="val 5721350"/>
-            </a:avLst>
-          </a:prstGeom>
-          <a:ln w="38100">
-            <a:solidFill>
-              <a:srgbClr val="7030A0"/>
-            </a:solidFill>
-            <a:headEnd type="none" w="med" len="med"/>
-            <a:tailEnd type="arrow" w="med" len="med"/>
-          </a:ln>
-        </p:spPr>
-        <p:style>
-          <a:lnRef idx="1">
-            <a:schemeClr val="accent1"/>
-          </a:lnRef>
-          <a:fillRef idx="0">
-            <a:schemeClr val="accent1"/>
-          </a:fillRef>
-          <a:effectRef idx="0">
-            <a:schemeClr val="accent1"/>
-          </a:effectRef>
-          <a:fontRef idx="minor">
-            <a:schemeClr val="tx1"/>
-          </a:fontRef>
-        </p:style>
-        <p:txBody>
-          <a:bodyPr rtlCol="0" anchor="ctr"/>
-          <a:lstStyle/>
-          <a:p>
-            <a:pPr algn="ctr"/>
-            <a:endParaRPr lang="en-SG"/>
-          </a:p>
-        </p:txBody>
-      </p:sp>
-      <p:sp>
-        <p:nvSpPr>
-          <p:cNvPr id="137" name="TextBox 136"/>
-          <p:cNvSpPr txBox="1"/>
-          <p:nvPr/>
-        </p:nvSpPr>
-        <p:spPr>
-          <a:xfrm>
-            <a:off x="2636073" y="2194719"/>
-            <a:ext cx="903588" cy="353943"/>
-          </a:xfrm>
-          <a:prstGeom prst="rect">
-            <a:avLst/>
-          </a:prstGeom>
-          <a:noFill/>
-        </p:spPr>
-        <p:txBody>
-          <a:bodyPr wrap="square" rtlCol="0">
-            <a:spAutoFit/>
-          </a:bodyPr>
-          <a:lstStyle/>
-          <a:p>
-            <a:r>
-              <a:rPr lang="en-US" dirty="0" smtClean="0">
-                <a:solidFill>
-                  <a:srgbClr val="0070C0"/>
-                </a:solidFill>
-              </a:rPr>
-              <a:t>forward</a:t>
-            </a:r>
-            <a:endParaRPr lang="en-SG" dirty="0">
-              <a:solidFill>
-                <a:srgbClr val="0070C0"/>
-              </a:solidFill>
-            </a:endParaRPr>
-          </a:p>
-        </p:txBody>
-      </p:sp>
-      <p:sp>
-        <p:nvSpPr>
-          <p:cNvPr id="138" name="TextBox 137"/>
-          <p:cNvSpPr txBox="1"/>
-          <p:nvPr/>
-        </p:nvSpPr>
-        <p:spPr>
-          <a:xfrm>
-            <a:off x="4635993" y="2828264"/>
-            <a:ext cx="903588" cy="353943"/>
-          </a:xfrm>
-          <a:prstGeom prst="rect">
-            <a:avLst/>
-          </a:prstGeom>
-          <a:noFill/>
-        </p:spPr>
-        <p:txBody>
-          <a:bodyPr wrap="square" rtlCol="0">
-            <a:spAutoFit/>
-          </a:bodyPr>
-          <a:lstStyle/>
-          <a:p>
-            <a:r>
-              <a:rPr lang="en-US" dirty="0" smtClean="0">
-                <a:solidFill>
-                  <a:schemeClr val="accent2">
-                    <a:lumMod val="75000"/>
-                  </a:schemeClr>
-                </a:solidFill>
-              </a:rPr>
-              <a:t>create</a:t>
-            </a:r>
-            <a:endParaRPr lang="en-SG" dirty="0">
-              <a:solidFill>
-                <a:schemeClr val="accent2">
-                  <a:lumMod val="75000"/>
-                </a:schemeClr>
-              </a:solidFill>
-            </a:endParaRPr>
-          </a:p>
-        </p:txBody>
-      </p:sp>
     </p:spTree>
     <p:extLst>
       <p:ext uri="{BB962C8B-B14F-4D97-AF65-F5344CB8AC3E}">
